--- a/PowerPoitnProgram/PIF 24-27.pptx
+++ b/PowerPoitnProgram/PIF 24-27.pptx
@@ -30621,7 +30621,7 @@
           <a:p>
             <a:fld id="{A27BCCA2-F8DB-4880-AD4B-017DBA8BC60F}" type="datetimeFigureOut">
               <a:rPr lang="es-MX" smtClean="0"/>
-              <a:t>26/02/2024</a:t>
+              <a:t>28/02/2024</a:t>
             </a:fld>
             <a:endParaRPr lang="es-MX"/>
           </a:p>
@@ -31155,7 +31155,7 @@
             <a:fld id="{35CD4824-21C5-40F0-ACC2-517FBE4637A7}" type="datetimeFigureOut">
               <a:rPr lang="es-MX" smtClean="0"/>
               <a:pPr/>
-              <a:t>26/02/2024</a:t>
+              <a:t>28/02/2024</a:t>
             </a:fld>
             <a:endParaRPr lang="es-MX"/>
           </a:p>
@@ -31327,7 +31327,7 @@
             <a:fld id="{35CD4824-21C5-40F0-ACC2-517FBE4637A7}" type="datetimeFigureOut">
               <a:rPr lang="es-MX" smtClean="0"/>
               <a:pPr/>
-              <a:t>26/02/2024</a:t>
+              <a:t>28/02/2024</a:t>
             </a:fld>
             <a:endParaRPr lang="es-MX"/>
           </a:p>
@@ -31509,7 +31509,7 @@
             <a:fld id="{35CD4824-21C5-40F0-ACC2-517FBE4637A7}" type="datetimeFigureOut">
               <a:rPr lang="es-MX" smtClean="0"/>
               <a:pPr/>
-              <a:t>26/02/2024</a:t>
+              <a:t>28/02/2024</a:t>
             </a:fld>
             <a:endParaRPr lang="es-MX"/>
           </a:p>
@@ -31681,7 +31681,7 @@
             <a:fld id="{35CD4824-21C5-40F0-ACC2-517FBE4637A7}" type="datetimeFigureOut">
               <a:rPr lang="es-MX" smtClean="0"/>
               <a:pPr/>
-              <a:t>26/02/2024</a:t>
+              <a:t>28/02/2024</a:t>
             </a:fld>
             <a:endParaRPr lang="es-MX"/>
           </a:p>
@@ -31929,7 +31929,7 @@
             <a:fld id="{35CD4824-21C5-40F0-ACC2-517FBE4637A7}" type="datetimeFigureOut">
               <a:rPr lang="es-MX" smtClean="0"/>
               <a:pPr/>
-              <a:t>26/02/2024</a:t>
+              <a:t>28/02/2024</a:t>
             </a:fld>
             <a:endParaRPr lang="es-MX"/>
           </a:p>
@@ -32219,7 +32219,7 @@
             <a:fld id="{35CD4824-21C5-40F0-ACC2-517FBE4637A7}" type="datetimeFigureOut">
               <a:rPr lang="es-MX" smtClean="0"/>
               <a:pPr/>
-              <a:t>26/02/2024</a:t>
+              <a:t>28/02/2024</a:t>
             </a:fld>
             <a:endParaRPr lang="es-MX"/>
           </a:p>
@@ -32643,7 +32643,7 @@
             <a:fld id="{35CD4824-21C5-40F0-ACC2-517FBE4637A7}" type="datetimeFigureOut">
               <a:rPr lang="es-MX" smtClean="0"/>
               <a:pPr/>
-              <a:t>26/02/2024</a:t>
+              <a:t>28/02/2024</a:t>
             </a:fld>
             <a:endParaRPr lang="es-MX"/>
           </a:p>
@@ -32763,7 +32763,7 @@
             <a:fld id="{35CD4824-21C5-40F0-ACC2-517FBE4637A7}" type="datetimeFigureOut">
               <a:rPr lang="es-MX" smtClean="0"/>
               <a:pPr/>
-              <a:t>26/02/2024</a:t>
+              <a:t>28/02/2024</a:t>
             </a:fld>
             <a:endParaRPr lang="es-MX"/>
           </a:p>
@@ -32860,7 +32860,7 @@
             <a:fld id="{35CD4824-21C5-40F0-ACC2-517FBE4637A7}" type="datetimeFigureOut">
               <a:rPr lang="es-MX" smtClean="0"/>
               <a:pPr/>
-              <a:t>26/02/2024</a:t>
+              <a:t>28/02/2024</a:t>
             </a:fld>
             <a:endParaRPr lang="es-MX"/>
           </a:p>
@@ -33139,7 +33139,7 @@
             <a:fld id="{35CD4824-21C5-40F0-ACC2-517FBE4637A7}" type="datetimeFigureOut">
               <a:rPr lang="es-MX" smtClean="0"/>
               <a:pPr/>
-              <a:t>26/02/2024</a:t>
+              <a:t>28/02/2024</a:t>
             </a:fld>
             <a:endParaRPr lang="es-MX"/>
           </a:p>
@@ -33394,7 +33394,7 @@
             <a:fld id="{35CD4824-21C5-40F0-ACC2-517FBE4637A7}" type="datetimeFigureOut">
               <a:rPr lang="es-MX" smtClean="0"/>
               <a:pPr/>
-              <a:t>26/02/2024</a:t>
+              <a:t>28/02/2024</a:t>
             </a:fld>
             <a:endParaRPr lang="es-MX"/>
           </a:p>
@@ -33618,7 +33618,7 @@
             <a:fld id="{35CD4824-21C5-40F0-ACC2-517FBE4637A7}" type="datetimeFigureOut">
               <a:rPr lang="es-MX" smtClean="0"/>
               <a:pPr/>
-              <a:t>26/02/2024</a:t>
+              <a:t>28/02/2024</a:t>
             </a:fld>
             <a:endParaRPr lang="es-MX"/>
           </a:p>
@@ -34654,7 +34654,151 @@
           <a:bodyPr lIns="91435" tIns="45718" rIns="91435" bIns="45718" rtlCol="0" anchor="t"/>
           <a:lstStyle/>
           <a:p>
+            <a:r>
+              <a:rPr lang="es-MX" sz="1200" dirty="0"/>
+              <a:t>Inicio</a:t>
+            </a:r>
+          </a:p>
+          <a:p>
+            <a:r>
+              <a:rPr lang="es-MX" sz="1200" dirty="0"/>
+              <a:t>     Imprime “Introduce 3 promedio para ver cual es mas alto, el mas alto se lleva un premio”</a:t>
+            </a:r>
+          </a:p>
+          <a:p>
+            <a:r>
+              <a:rPr lang="es-MX" sz="1200" dirty="0"/>
+              <a:t>     Imprime “Promedio1:”</a:t>
+            </a:r>
+          </a:p>
+          <a:p>
+            <a:r>
+              <a:rPr lang="es-MX" sz="1200" dirty="0"/>
+              <a:t>     Lee num1</a:t>
+            </a:r>
+          </a:p>
+          <a:p>
+            <a:r>
+              <a:rPr lang="es-MX" sz="1200" dirty="0"/>
+              <a:t>      Imprime “Promedio1:”</a:t>
+            </a:r>
+          </a:p>
+          <a:p>
+            <a:r>
+              <a:rPr lang="es-MX" sz="1200" dirty="0"/>
+              <a:t>     Lee num2</a:t>
+            </a:r>
+          </a:p>
+          <a:p>
+            <a:r>
+              <a:rPr lang="es-MX" sz="1200" dirty="0"/>
+              <a:t>     Imprime “Promedio1:”</a:t>
+            </a:r>
+          </a:p>
+          <a:p>
+            <a:r>
+              <a:rPr lang="es-MX" sz="1200" dirty="0"/>
+              <a:t>     Lee num3</a:t>
+            </a:r>
+          </a:p>
+          <a:p>
             <a:endParaRPr lang="es-MX" sz="1200" dirty="0"/>
+          </a:p>
+          <a:p>
+            <a:r>
+              <a:rPr lang="es-MX" sz="1200" dirty="0">
+                <a:solidFill>
+                  <a:schemeClr val="tx1"/>
+                </a:solidFill>
+              </a:rPr>
+              <a:t>Si((num1&gt;num2) y (num1&gt;num3)){</a:t>
+            </a:r>
+          </a:p>
+          <a:p>
+            <a:r>
+              <a:rPr lang="es-MX" sz="1200" dirty="0">
+                <a:solidFill>
+                  <a:schemeClr val="tx1"/>
+                </a:solidFill>
+              </a:rPr>
+              <a:t>        Imprime ("El mejor promedio  se lleva el premio",num1)</a:t>
+            </a:r>
+          </a:p>
+          <a:p>
+            <a:r>
+              <a:rPr lang="es-MX" sz="1200" dirty="0">
+                <a:solidFill>
+                  <a:schemeClr val="tx1"/>
+                </a:solidFill>
+              </a:rPr>
+              <a:t>    }</a:t>
+            </a:r>
+          </a:p>
+          <a:p>
+            <a:r>
+              <a:rPr lang="es-MX" sz="1200" dirty="0">
+                <a:solidFill>
+                  <a:schemeClr val="tx1"/>
+                </a:solidFill>
+              </a:rPr>
+              <a:t>    Si((num2&gt;num1) y (num2&gt;num3)){</a:t>
+            </a:r>
+          </a:p>
+          <a:p>
+            <a:r>
+              <a:rPr lang="es-MX" sz="1200" dirty="0">
+                <a:solidFill>
+                  <a:schemeClr val="tx1"/>
+                </a:solidFill>
+              </a:rPr>
+              <a:t>        Imprime ("El mejor promedio  se lleva el premio",num2)</a:t>
+            </a:r>
+          </a:p>
+          <a:p>
+            <a:r>
+              <a:rPr lang="es-MX" sz="1200" dirty="0">
+                <a:solidFill>
+                  <a:schemeClr val="tx1"/>
+                </a:solidFill>
+              </a:rPr>
+              <a:t>    }</a:t>
+            </a:r>
+          </a:p>
+          <a:p>
+            <a:r>
+              <a:rPr lang="es-MX" sz="1200" dirty="0">
+                <a:solidFill>
+                  <a:schemeClr val="tx1"/>
+                </a:solidFill>
+              </a:rPr>
+              <a:t>    Si((num3&gt;num2) y (num3&gt;num1)){</a:t>
+            </a:r>
+          </a:p>
+          <a:p>
+            <a:r>
+              <a:rPr lang="es-MX" sz="1200" dirty="0">
+                <a:solidFill>
+                  <a:schemeClr val="tx1"/>
+                </a:solidFill>
+              </a:rPr>
+              <a:t>        Imprime ("El mejor promedio  se lleva el premio",num3)</a:t>
+            </a:r>
+          </a:p>
+          <a:p>
+            <a:r>
+              <a:rPr lang="es-MX" sz="1200" dirty="0">
+                <a:solidFill>
+                  <a:schemeClr val="tx1"/>
+                </a:solidFill>
+              </a:rPr>
+              <a:t>    }</a:t>
+            </a:r>
+          </a:p>
+          <a:p>
+            <a:r>
+              <a:rPr lang="es-MX" sz="1200" dirty="0"/>
+              <a:t>Fin</a:t>
+            </a:r>
           </a:p>
         </p:txBody>
       </p:sp>
@@ -35138,8 +35282,8 @@
         </p:nvSpPr>
         <p:spPr>
           <a:xfrm>
-            <a:off x="368659" y="1403648"/>
-            <a:ext cx="2985801" cy="6624736"/>
+            <a:off x="116633" y="1231952"/>
+            <a:ext cx="6624736" cy="6868440"/>
           </a:xfrm>
           <a:prstGeom prst="roundRect">
             <a:avLst/>
@@ -35171,7 +35315,234 @@
           <a:bodyPr lIns="91435" tIns="45718" rIns="91435" bIns="45718" rtlCol="0" anchor="t"/>
           <a:lstStyle/>
           <a:p>
+            <a:r>
+              <a:rPr lang="es-MX" sz="1200" dirty="0"/>
+              <a:t>#include &lt;</a:t>
+            </a:r>
+            <a:r>
+              <a:rPr lang="es-MX" sz="1200" dirty="0" err="1"/>
+              <a:t>stdio.h</a:t>
+            </a:r>
+            <a:r>
+              <a:rPr lang="es-MX" sz="1200" dirty="0"/>
+              <a:t>&gt;</a:t>
+            </a:r>
+          </a:p>
+          <a:p>
             <a:endParaRPr lang="es-MX" sz="1200" dirty="0"/>
+          </a:p>
+          <a:p>
+            <a:r>
+              <a:rPr lang="es-MX" sz="1200" dirty="0" err="1"/>
+              <a:t>void</a:t>
+            </a:r>
+            <a:r>
+              <a:rPr lang="es-MX" sz="1200" dirty="0"/>
+              <a:t> </a:t>
+            </a:r>
+            <a:r>
+              <a:rPr lang="es-MX" sz="1200" dirty="0" err="1"/>
+              <a:t>main</a:t>
+            </a:r>
+            <a:r>
+              <a:rPr lang="es-MX" sz="1200" dirty="0"/>
+              <a:t>() {</a:t>
+            </a:r>
+          </a:p>
+          <a:p>
+            <a:r>
+              <a:rPr lang="es-MX" sz="1200" dirty="0"/>
+              <a:t>    </a:t>
+            </a:r>
+            <a:r>
+              <a:rPr lang="es-MX" sz="1200" dirty="0" err="1"/>
+              <a:t>float</a:t>
+            </a:r>
+            <a:r>
+              <a:rPr lang="es-MX" sz="1200" dirty="0"/>
+              <a:t> num1,num2,num3;</a:t>
+            </a:r>
+          </a:p>
+          <a:p>
+            <a:r>
+              <a:rPr lang="es-MX" sz="1200"/>
+              <a:t>    printf</a:t>
+            </a:r>
+            <a:r>
+              <a:rPr lang="es-MX" sz="1200" dirty="0"/>
+              <a:t>("Introduce los 3 promedios en orden, para ver cual de los 3 se lleva el premio a mejor promedio\n");</a:t>
+            </a:r>
+          </a:p>
+          <a:p>
+            <a:r>
+              <a:rPr lang="es-MX" sz="1200"/>
+              <a:t>    printf</a:t>
+            </a:r>
+            <a:r>
+              <a:rPr lang="es-MX" sz="1200" dirty="0"/>
+              <a:t>("Promedio 1:");</a:t>
+            </a:r>
+          </a:p>
+          <a:p>
+            <a:r>
+              <a:rPr lang="es-MX" sz="1200" dirty="0"/>
+              <a:t>    </a:t>
+            </a:r>
+            <a:r>
+              <a:rPr lang="es-MX" sz="1200" dirty="0" err="1"/>
+              <a:t>scanf</a:t>
+            </a:r>
+            <a:r>
+              <a:rPr lang="es-MX" sz="1200" dirty="0"/>
+              <a:t>("%f",&amp;num1);</a:t>
+            </a:r>
+          </a:p>
+          <a:p>
+            <a:r>
+              <a:rPr lang="es-MX" sz="1200"/>
+              <a:t>    printf</a:t>
+            </a:r>
+            <a:r>
+              <a:rPr lang="es-MX" sz="1200" dirty="0"/>
+              <a:t>("Promedio 2:");</a:t>
+            </a:r>
+          </a:p>
+          <a:p>
+            <a:r>
+              <a:rPr lang="es-MX" sz="1200" dirty="0"/>
+              <a:t>    </a:t>
+            </a:r>
+            <a:r>
+              <a:rPr lang="es-MX" sz="1200" dirty="0" err="1"/>
+              <a:t>scanf</a:t>
+            </a:r>
+            <a:r>
+              <a:rPr lang="es-MX" sz="1200" dirty="0"/>
+              <a:t>("%f",&amp;num2);</a:t>
+            </a:r>
+          </a:p>
+          <a:p>
+            <a:r>
+              <a:rPr lang="es-MX" sz="1200"/>
+              <a:t>    printf</a:t>
+            </a:r>
+            <a:r>
+              <a:rPr lang="es-MX" sz="1200" dirty="0"/>
+              <a:t>("Promedio 3:");</a:t>
+            </a:r>
+          </a:p>
+          <a:p>
+            <a:r>
+              <a:rPr lang="es-MX" sz="1200" dirty="0"/>
+              <a:t>    </a:t>
+            </a:r>
+            <a:r>
+              <a:rPr lang="es-MX" sz="1200" dirty="0" err="1"/>
+              <a:t>scanf</a:t>
+            </a:r>
+            <a:r>
+              <a:rPr lang="es-MX" sz="1200" dirty="0"/>
+              <a:t>("%f",&amp;num3);</a:t>
+            </a:r>
+          </a:p>
+          <a:p>
+            <a:endParaRPr lang="es-MX" sz="1200" dirty="0"/>
+          </a:p>
+          <a:p>
+            <a:r>
+              <a:rPr lang="es-MX" sz="1200" dirty="0"/>
+              <a:t>    </a:t>
+            </a:r>
+            <a:r>
+              <a:rPr lang="es-MX" sz="1200" dirty="0" err="1"/>
+              <a:t>if</a:t>
+            </a:r>
+            <a:r>
+              <a:rPr lang="es-MX" sz="1200" dirty="0"/>
+              <a:t>((num1&gt;num2)&amp;&amp;(num1&gt;num3)){</a:t>
+            </a:r>
+          </a:p>
+          <a:p>
+            <a:r>
+              <a:rPr lang="es-MX" sz="1200"/>
+              <a:t>        printf</a:t>
+            </a:r>
+            <a:r>
+              <a:rPr lang="es-MX" sz="1200" dirty="0"/>
+              <a:t>("El mejor promedio %.2f se lleva el premio",num1);</a:t>
+            </a:r>
+          </a:p>
+          <a:p>
+            <a:r>
+              <a:rPr lang="es-MX" sz="1200" dirty="0"/>
+              <a:t>    }</a:t>
+            </a:r>
+          </a:p>
+          <a:p>
+            <a:r>
+              <a:rPr lang="es-MX" sz="1200" dirty="0"/>
+              <a:t>    </a:t>
+            </a:r>
+            <a:r>
+              <a:rPr lang="es-MX" sz="1200" dirty="0" err="1"/>
+              <a:t>if</a:t>
+            </a:r>
+            <a:r>
+              <a:rPr lang="es-MX" sz="1200" dirty="0"/>
+              <a:t>((num2&gt;num1)&amp;&amp;(num2&gt;num3)){</a:t>
+            </a:r>
+          </a:p>
+          <a:p>
+            <a:r>
+              <a:rPr lang="es-MX" sz="1200"/>
+              <a:t>        printf</a:t>
+            </a:r>
+            <a:r>
+              <a:rPr lang="es-MX" sz="1200" dirty="0"/>
+              <a:t>("El mejor promedio %.2f se lleva el premio",num2);</a:t>
+            </a:r>
+          </a:p>
+          <a:p>
+            <a:r>
+              <a:rPr lang="es-MX" sz="1200" dirty="0"/>
+              <a:t>    }</a:t>
+            </a:r>
+          </a:p>
+          <a:p>
+            <a:r>
+              <a:rPr lang="es-MX" sz="1200" dirty="0"/>
+              <a:t>    </a:t>
+            </a:r>
+            <a:r>
+              <a:rPr lang="es-MX" sz="1200" dirty="0" err="1"/>
+              <a:t>if</a:t>
+            </a:r>
+            <a:r>
+              <a:rPr lang="es-MX" sz="1200" dirty="0"/>
+              <a:t>((num3&gt;num2)&amp;&amp;(num3&gt;num1)){</a:t>
+            </a:r>
+          </a:p>
+          <a:p>
+            <a:r>
+              <a:rPr lang="es-MX" sz="1200"/>
+              <a:t>        printf</a:t>
+            </a:r>
+            <a:r>
+              <a:rPr lang="es-MX" sz="1200" dirty="0"/>
+              <a:t>("El mejor promedio %.2f se lleva el premio",num3);</a:t>
+            </a:r>
+          </a:p>
+          <a:p>
+            <a:r>
+              <a:rPr lang="es-MX" sz="1200" dirty="0"/>
+              <a:t>    }</a:t>
+            </a:r>
+          </a:p>
+          <a:p>
+            <a:r>
+              <a:rPr lang="es-MX" sz="1200" dirty="0"/>
+              <a:t>}</a:t>
+            </a:r>
           </a:p>
         </p:txBody>
       </p:sp>
@@ -35409,51 +35780,36 @@
           </a:p>
         </p:txBody>
       </p:sp>
-      <p:sp>
-        <p:nvSpPr>
-          <p:cNvPr id="14" name="13 Rectángulo redondeado"/>
-          <p:cNvSpPr/>
+      <p:pic>
+        <p:nvPicPr>
+          <p:cNvPr id="5" name="Imagen 4">
+            <a:extLst>
+              <a:ext uri="{FF2B5EF4-FFF2-40B4-BE49-F238E27FC236}">
+                <a16:creationId xmlns:a16="http://schemas.microsoft.com/office/drawing/2014/main" id="{EE1730B6-2DB5-9B83-1BF0-C0829D6C6621}"/>
+              </a:ext>
+            </a:extLst>
+          </p:cNvPr>
+          <p:cNvPicPr>
+            <a:picLocks noChangeAspect="1"/>
+          </p:cNvPicPr>
           <p:nvPr/>
-        </p:nvSpPr>
+        </p:nvPicPr>
+        <p:blipFill>
+          <a:blip r:embed="rId7"/>
+          <a:stretch>
+            <a:fillRect/>
+          </a:stretch>
+        </p:blipFill>
         <p:spPr>
           <a:xfrm>
-            <a:off x="3645024" y="1403648"/>
-            <a:ext cx="2952328" cy="6624736"/>
+            <a:off x="456634" y="6300192"/>
+            <a:ext cx="5661248" cy="1062341"/>
           </a:xfrm>
-          <a:prstGeom prst="roundRect">
+          <a:prstGeom prst="rect">
             <a:avLst/>
           </a:prstGeom>
-          <a:effectLst>
-            <a:glow rad="228600">
-              <a:schemeClr val="accent4">
-                <a:satMod val="175000"/>
-                <a:alpha val="40000"/>
-              </a:schemeClr>
-            </a:glow>
-          </a:effectLst>
         </p:spPr>
-        <p:style>
-          <a:lnRef idx="2">
-            <a:schemeClr val="accent4"/>
-          </a:lnRef>
-          <a:fillRef idx="1">
-            <a:schemeClr val="lt1"/>
-          </a:fillRef>
-          <a:effectRef idx="0">
-            <a:schemeClr val="accent4"/>
-          </a:effectRef>
-          <a:fontRef idx="minor">
-            <a:schemeClr val="dk1"/>
-          </a:fontRef>
-        </p:style>
-        <p:txBody>
-          <a:bodyPr lIns="91435" tIns="45718" rIns="91435" bIns="45718" rtlCol="0" anchor="t"/>
-          <a:lstStyle/>
-          <a:p>
-            <a:endParaRPr lang="es-MX" sz="1200" dirty="0"/>
-          </a:p>
-        </p:txBody>
-      </p:sp>
+      </p:pic>
     </p:spTree>
     <p:extLst>
       <p:ext uri="{BB962C8B-B14F-4D97-AF65-F5344CB8AC3E}">
@@ -35656,8 +36012,8 @@
         </p:nvSpPr>
         <p:spPr>
           <a:xfrm>
-            <a:off x="404664" y="3611895"/>
-            <a:ext cx="1321952" cy="1344149"/>
+            <a:off x="430472" y="3483027"/>
+            <a:ext cx="1321952" cy="501729"/>
           </a:xfrm>
           <a:prstGeom prst="roundRect">
             <a:avLst/>
@@ -35705,8 +36061,8 @@
         </p:nvSpPr>
         <p:spPr>
           <a:xfrm>
-            <a:off x="1988839" y="3611895"/>
-            <a:ext cx="4464497" cy="1344149"/>
+            <a:off x="1988839" y="3483027"/>
+            <a:ext cx="4464497" cy="501729"/>
           </a:xfrm>
           <a:prstGeom prst="roundRect">
             <a:avLst/>
@@ -35730,7 +36086,14 @@
           <a:bodyPr lIns="91435" tIns="45718" rIns="91435" bIns="45718" rtlCol="0" anchor="ctr"/>
           <a:lstStyle/>
           <a:p>
-            <a:endParaRPr lang="es-MX" dirty="0"/>
+            <a:r>
+              <a:rPr lang="es-MX" dirty="0">
+                <a:solidFill>
+                  <a:schemeClr val="tx1"/>
+                </a:solidFill>
+              </a:rPr>
+              <a:t>edad</a:t>
+            </a:r>
           </a:p>
         </p:txBody>
       </p:sp>
@@ -35742,8 +36105,8 @@
         </p:nvSpPr>
         <p:spPr>
           <a:xfrm>
-            <a:off x="404664" y="5159244"/>
-            <a:ext cx="1321952" cy="1344149"/>
+            <a:off x="404664" y="4084010"/>
+            <a:ext cx="1321952" cy="2419384"/>
           </a:xfrm>
           <a:prstGeom prst="roundRect">
             <a:avLst/>
@@ -35791,8 +36154,8 @@
         </p:nvSpPr>
         <p:spPr>
           <a:xfrm>
-            <a:off x="1988839" y="5159244"/>
-            <a:ext cx="4464498" cy="1344149"/>
+            <a:off x="1988839" y="4084010"/>
+            <a:ext cx="4464498" cy="2419384"/>
           </a:xfrm>
           <a:prstGeom prst="roundRect">
             <a:avLst/>
@@ -35816,7 +36179,186 @@
           <a:bodyPr lIns="91435" tIns="45718" rIns="91435" bIns="45718" rtlCol="0" anchor="ctr"/>
           <a:lstStyle/>
           <a:p>
-            <a:endParaRPr lang="es-MX" dirty="0"/>
+            <a:r>
+              <a:rPr lang="es-MX" sz="1000" dirty="0">
+                <a:solidFill>
+                  <a:schemeClr val="tx1"/>
+                </a:solidFill>
+              </a:rPr>
+              <a:t> Si(edad&lt;=12){</a:t>
+            </a:r>
+          </a:p>
+          <a:p>
+            <a:r>
+              <a:rPr lang="es-MX" sz="1000" dirty="0">
+                <a:solidFill>
+                  <a:schemeClr val="tx1"/>
+                </a:solidFill>
+              </a:rPr>
+              <a:t>        Imprime ("Eres un </a:t>
+            </a:r>
+            <a:r>
+              <a:rPr lang="es-MX" sz="1000" dirty="0" err="1">
+                <a:solidFill>
+                  <a:schemeClr val="tx1"/>
+                </a:solidFill>
+              </a:rPr>
+              <a:t>nino</a:t>
+            </a:r>
+            <a:r>
+              <a:rPr lang="es-MX" sz="1000" dirty="0">
+                <a:solidFill>
+                  <a:schemeClr val="tx1"/>
+                </a:solidFill>
+              </a:rPr>
+              <a:t>")</a:t>
+            </a:r>
+          </a:p>
+          <a:p>
+            <a:r>
+              <a:rPr lang="es-MX" sz="1000" dirty="0">
+                <a:solidFill>
+                  <a:schemeClr val="tx1"/>
+                </a:solidFill>
+              </a:rPr>
+              <a:t>    }</a:t>
+            </a:r>
+          </a:p>
+          <a:p>
+            <a:r>
+              <a:rPr lang="es-MX" sz="1000" dirty="0">
+                <a:solidFill>
+                  <a:schemeClr val="tx1"/>
+                </a:solidFill>
+              </a:rPr>
+              <a:t>    Si((edad&gt;13) y (edad&lt;=18)){</a:t>
+            </a:r>
+          </a:p>
+          <a:p>
+            <a:r>
+              <a:rPr lang="es-MX" sz="1000" dirty="0">
+                <a:solidFill>
+                  <a:schemeClr val="tx1"/>
+                </a:solidFill>
+              </a:rPr>
+              <a:t>        Imprime ("Eres un </a:t>
+            </a:r>
+            <a:r>
+              <a:rPr lang="es-MX" sz="1000" dirty="0" err="1">
+                <a:solidFill>
+                  <a:schemeClr val="tx1"/>
+                </a:solidFill>
+              </a:rPr>
+              <a:t>adolecente</a:t>
+            </a:r>
+            <a:r>
+              <a:rPr lang="es-MX" sz="1000" dirty="0">
+                <a:solidFill>
+                  <a:schemeClr val="tx1"/>
+                </a:solidFill>
+              </a:rPr>
+              <a:t>")</a:t>
+            </a:r>
+          </a:p>
+          <a:p>
+            <a:r>
+              <a:rPr lang="es-MX" sz="1000" dirty="0">
+                <a:solidFill>
+                  <a:schemeClr val="tx1"/>
+                </a:solidFill>
+              </a:rPr>
+              <a:t>    }</a:t>
+            </a:r>
+          </a:p>
+          <a:p>
+            <a:r>
+              <a:rPr lang="es-MX" sz="1000" dirty="0">
+                <a:solidFill>
+                  <a:schemeClr val="tx1"/>
+                </a:solidFill>
+              </a:rPr>
+              <a:t>    Si((edad&gt;19) y (edad&lt;=25)){</a:t>
+            </a:r>
+          </a:p>
+          <a:p>
+            <a:r>
+              <a:rPr lang="es-MX" sz="1000" dirty="0">
+                <a:solidFill>
+                  <a:schemeClr val="tx1"/>
+                </a:solidFill>
+              </a:rPr>
+              <a:t>        Imprime ("Eres un joven")</a:t>
+            </a:r>
+          </a:p>
+          <a:p>
+            <a:r>
+              <a:rPr lang="es-MX" sz="1000" dirty="0">
+                <a:solidFill>
+                  <a:schemeClr val="tx1"/>
+                </a:solidFill>
+              </a:rPr>
+              <a:t>    }</a:t>
+            </a:r>
+          </a:p>
+          <a:p>
+            <a:r>
+              <a:rPr lang="es-MX" sz="1000" dirty="0">
+                <a:solidFill>
+                  <a:schemeClr val="tx1"/>
+                </a:solidFill>
+              </a:rPr>
+              <a:t>    Si((edad&gt;26) y (edad&lt;=59)){</a:t>
+            </a:r>
+          </a:p>
+          <a:p>
+            <a:r>
+              <a:rPr lang="es-MX" sz="1000" dirty="0">
+                <a:solidFill>
+                  <a:schemeClr val="tx1"/>
+                </a:solidFill>
+              </a:rPr>
+              <a:t>        Imprime ("Eres un adulto")</a:t>
+            </a:r>
+          </a:p>
+          <a:p>
+            <a:r>
+              <a:rPr lang="es-MX" sz="1000" dirty="0">
+                <a:solidFill>
+                  <a:schemeClr val="tx1"/>
+                </a:solidFill>
+              </a:rPr>
+              <a:t>    }</a:t>
+            </a:r>
+          </a:p>
+          <a:p>
+            <a:r>
+              <a:rPr lang="es-MX" sz="1000" dirty="0">
+                <a:solidFill>
+                  <a:schemeClr val="tx1"/>
+                </a:solidFill>
+              </a:rPr>
+              <a:t>    Si(edad &gt;=60){</a:t>
+            </a:r>
+          </a:p>
+          <a:p>
+            <a:r>
+              <a:rPr lang="es-MX" sz="1000" dirty="0">
+                <a:solidFill>
+                  <a:schemeClr val="tx1"/>
+                </a:solidFill>
+              </a:rPr>
+              <a:t>        Imprime ("Eres un adulto de la tercera edad")</a:t>
+            </a:r>
+          </a:p>
+          <a:p>
+            <a:r>
+              <a:rPr lang="es-MX" sz="1000" dirty="0">
+                <a:solidFill>
+                  <a:schemeClr val="tx1"/>
+                </a:solidFill>
+              </a:rPr>
+              <a:t>    }</a:t>
+            </a:r>
           </a:p>
         </p:txBody>
       </p:sp>
@@ -35902,7 +36444,46 @@
           <a:bodyPr lIns="91435" tIns="45718" rIns="91435" bIns="45718" rtlCol="0" anchor="ctr"/>
           <a:lstStyle/>
           <a:p>
-            <a:endParaRPr lang="es-MX" dirty="0"/>
+            <a:r>
+              <a:rPr lang="es-MX" sz="1600" dirty="0">
+                <a:solidFill>
+                  <a:schemeClr val="tx1"/>
+                </a:solidFill>
+              </a:rPr>
+              <a:t>Imprime "Eres un </a:t>
+            </a:r>
+            <a:r>
+              <a:rPr lang="es-MX" sz="1600" dirty="0" err="1">
+                <a:solidFill>
+                  <a:schemeClr val="tx1"/>
+                </a:solidFill>
+              </a:rPr>
+              <a:t>nino</a:t>
+            </a:r>
+            <a:r>
+              <a:rPr lang="es-MX" sz="1600" dirty="0">
+                <a:solidFill>
+                  <a:schemeClr val="tx1"/>
+                </a:solidFill>
+              </a:rPr>
+              <a:t>" o Imprime "Eres un </a:t>
+            </a:r>
+            <a:r>
+              <a:rPr lang="es-MX" sz="1600" dirty="0" err="1">
+                <a:solidFill>
+                  <a:schemeClr val="tx1"/>
+                </a:solidFill>
+              </a:rPr>
+              <a:t>adolecente</a:t>
+            </a:r>
+            <a:r>
+              <a:rPr lang="es-MX" sz="1600" dirty="0">
+                <a:solidFill>
+                  <a:schemeClr val="tx1"/>
+                </a:solidFill>
+              </a:rPr>
+              <a:t>" o Imprime "Eres un joven" o  Imprime "Eres un adulto" o Imprime "Eres un adulto de la tercera edad"</a:t>
+            </a:r>
           </a:p>
         </p:txBody>
       </p:sp>
@@ -36275,6 +36856,224 @@
         <p:txBody>
           <a:bodyPr lIns="91435" tIns="45718" rIns="91435" bIns="45718" rtlCol="0" anchor="t"/>
           <a:lstStyle/>
+          <a:p>
+            <a:r>
+              <a:rPr lang="es-MX" sz="1200" dirty="0"/>
+              <a:t>Inicio</a:t>
+            </a:r>
+          </a:p>
+          <a:p>
+            <a:r>
+              <a:rPr lang="es-MX" sz="1200" dirty="0"/>
+              <a:t>     </a:t>
+            </a:r>
+            <a:r>
+              <a:rPr lang="es-MX" sz="1200" dirty="0" err="1"/>
+              <a:t>Print</a:t>
+            </a:r>
+            <a:r>
+              <a:rPr lang="es-MX" sz="1200" dirty="0"/>
+              <a:t> “Introduce tu edad:”</a:t>
+            </a:r>
+          </a:p>
+          <a:p>
+            <a:r>
+              <a:rPr lang="es-MX" sz="1200" dirty="0"/>
+              <a:t>     Lee edad</a:t>
+            </a:r>
+          </a:p>
+          <a:p>
+            <a:r>
+              <a:rPr lang="es-MX" sz="1200" dirty="0"/>
+              <a:t>     </a:t>
+            </a:r>
+            <a:r>
+              <a:rPr lang="es-MX" sz="1200" dirty="0">
+                <a:solidFill>
+                  <a:schemeClr val="tx1"/>
+                </a:solidFill>
+              </a:rPr>
+              <a:t> Si(edad&lt;=12){</a:t>
+            </a:r>
+          </a:p>
+          <a:p>
+            <a:r>
+              <a:rPr lang="es-MX" sz="1200" dirty="0">
+                <a:solidFill>
+                  <a:schemeClr val="tx1"/>
+                </a:solidFill>
+              </a:rPr>
+              <a:t>        Imprime ("Eres un </a:t>
+            </a:r>
+            <a:r>
+              <a:rPr lang="es-MX" sz="1200" dirty="0" err="1">
+                <a:solidFill>
+                  <a:schemeClr val="tx1"/>
+                </a:solidFill>
+              </a:rPr>
+              <a:t>nino</a:t>
+            </a:r>
+            <a:r>
+              <a:rPr lang="es-MX" sz="1200" dirty="0">
+                <a:solidFill>
+                  <a:schemeClr val="tx1"/>
+                </a:solidFill>
+              </a:rPr>
+              <a:t>")</a:t>
+            </a:r>
+          </a:p>
+          <a:p>
+            <a:r>
+              <a:rPr lang="es-MX" sz="1200" dirty="0">
+                <a:solidFill>
+                  <a:schemeClr val="tx1"/>
+                </a:solidFill>
+              </a:rPr>
+              <a:t>    }</a:t>
+            </a:r>
+          </a:p>
+          <a:p>
+            <a:r>
+              <a:rPr lang="es-MX" sz="1200" dirty="0">
+                <a:solidFill>
+                  <a:schemeClr val="tx1"/>
+                </a:solidFill>
+              </a:rPr>
+              <a:t>    Si((edad&gt;13) y (edad&lt;=18)){</a:t>
+            </a:r>
+          </a:p>
+          <a:p>
+            <a:r>
+              <a:rPr lang="es-MX" sz="1200" dirty="0">
+                <a:solidFill>
+                  <a:schemeClr val="tx1"/>
+                </a:solidFill>
+              </a:rPr>
+              <a:t>        Imprime ("Eres un </a:t>
+            </a:r>
+            <a:r>
+              <a:rPr lang="es-MX" sz="1200" dirty="0" err="1">
+                <a:solidFill>
+                  <a:schemeClr val="tx1"/>
+                </a:solidFill>
+              </a:rPr>
+              <a:t>adolecente</a:t>
+            </a:r>
+            <a:r>
+              <a:rPr lang="es-MX" sz="1200" dirty="0">
+                <a:solidFill>
+                  <a:schemeClr val="tx1"/>
+                </a:solidFill>
+              </a:rPr>
+              <a:t>")</a:t>
+            </a:r>
+          </a:p>
+          <a:p>
+            <a:r>
+              <a:rPr lang="es-MX" sz="1200" dirty="0">
+                <a:solidFill>
+                  <a:schemeClr val="tx1"/>
+                </a:solidFill>
+              </a:rPr>
+              <a:t>    }</a:t>
+            </a:r>
+          </a:p>
+          <a:p>
+            <a:r>
+              <a:rPr lang="es-MX" sz="1200" dirty="0">
+                <a:solidFill>
+                  <a:schemeClr val="tx1"/>
+                </a:solidFill>
+              </a:rPr>
+              <a:t>    Si((edad&gt;19) y (edad&lt;=25)){</a:t>
+            </a:r>
+          </a:p>
+          <a:p>
+            <a:r>
+              <a:rPr lang="es-MX" sz="1200" dirty="0">
+                <a:solidFill>
+                  <a:schemeClr val="tx1"/>
+                </a:solidFill>
+              </a:rPr>
+              <a:t>        Imprime ("Eres un joven")</a:t>
+            </a:r>
+          </a:p>
+          <a:p>
+            <a:r>
+              <a:rPr lang="es-MX" sz="1200" dirty="0">
+                <a:solidFill>
+                  <a:schemeClr val="tx1"/>
+                </a:solidFill>
+              </a:rPr>
+              <a:t>    }</a:t>
+            </a:r>
+          </a:p>
+          <a:p>
+            <a:r>
+              <a:rPr lang="es-MX" sz="1200" dirty="0">
+                <a:solidFill>
+                  <a:schemeClr val="tx1"/>
+                </a:solidFill>
+              </a:rPr>
+              <a:t>    Si((edad&gt;26) y (edad&lt;=59)){</a:t>
+            </a:r>
+          </a:p>
+          <a:p>
+            <a:r>
+              <a:rPr lang="es-MX" sz="1200" dirty="0">
+                <a:solidFill>
+                  <a:schemeClr val="tx1"/>
+                </a:solidFill>
+              </a:rPr>
+              <a:t>        Imprime ("Eres un adulto")</a:t>
+            </a:r>
+          </a:p>
+          <a:p>
+            <a:r>
+              <a:rPr lang="es-MX" sz="1200" dirty="0">
+                <a:solidFill>
+                  <a:schemeClr val="tx1"/>
+                </a:solidFill>
+              </a:rPr>
+              <a:t>    }</a:t>
+            </a:r>
+          </a:p>
+          <a:p>
+            <a:r>
+              <a:rPr lang="es-MX" sz="1200" dirty="0">
+                <a:solidFill>
+                  <a:schemeClr val="tx1"/>
+                </a:solidFill>
+              </a:rPr>
+              <a:t>    Si(edad &gt;=60){</a:t>
+            </a:r>
+          </a:p>
+          <a:p>
+            <a:r>
+              <a:rPr lang="es-MX" sz="1200" dirty="0">
+                <a:solidFill>
+                  <a:schemeClr val="tx1"/>
+                </a:solidFill>
+              </a:rPr>
+              <a:t>        Imprime ("Eres un adulto de la tercera edad")</a:t>
+            </a:r>
+          </a:p>
+          <a:p>
+            <a:r>
+              <a:rPr lang="es-MX" sz="1200" dirty="0">
+                <a:solidFill>
+                  <a:schemeClr val="tx1"/>
+                </a:solidFill>
+              </a:rPr>
+              <a:t>    }</a:t>
+            </a:r>
+          </a:p>
+          <a:p>
+            <a:r>
+              <a:rPr lang="es-MX" sz="1200" dirty="0"/>
+              <a:t>Fin</a:t>
+            </a:r>
+          </a:p>
           <a:p>
             <a:endParaRPr lang="es-MX" sz="1200" dirty="0"/>
           </a:p>
@@ -36760,8 +37559,8 @@
         </p:nvSpPr>
         <p:spPr>
           <a:xfrm>
-            <a:off x="368659" y="1403648"/>
-            <a:ext cx="2985801" cy="6624736"/>
+            <a:off x="255585" y="1231951"/>
+            <a:ext cx="6413775" cy="6936267"/>
           </a:xfrm>
           <a:prstGeom prst="roundRect">
             <a:avLst/>
@@ -36793,7 +37592,263 @@
           <a:bodyPr lIns="91435" tIns="45718" rIns="91435" bIns="45718" rtlCol="0" anchor="t"/>
           <a:lstStyle/>
           <a:p>
+            <a:r>
+              <a:rPr lang="es-MX" sz="1200" dirty="0"/>
+              <a:t>#include &lt;</a:t>
+            </a:r>
+            <a:r>
+              <a:rPr lang="es-MX" sz="1200" dirty="0" err="1"/>
+              <a:t>stdio.h</a:t>
+            </a:r>
+            <a:r>
+              <a:rPr lang="es-MX" sz="1200" dirty="0"/>
+              <a:t>&gt;</a:t>
+            </a:r>
+          </a:p>
+          <a:p>
             <a:endParaRPr lang="es-MX" sz="1200" dirty="0"/>
+          </a:p>
+          <a:p>
+            <a:r>
+              <a:rPr lang="es-MX" sz="1200" dirty="0" err="1"/>
+              <a:t>void</a:t>
+            </a:r>
+            <a:r>
+              <a:rPr lang="es-MX" sz="1200" dirty="0"/>
+              <a:t> </a:t>
+            </a:r>
+            <a:r>
+              <a:rPr lang="es-MX" sz="1200" dirty="0" err="1"/>
+              <a:t>main</a:t>
+            </a:r>
+            <a:r>
+              <a:rPr lang="es-MX" sz="1200" dirty="0"/>
+              <a:t>() {</a:t>
+            </a:r>
+          </a:p>
+          <a:p>
+            <a:r>
+              <a:rPr lang="es-MX" sz="1200" dirty="0"/>
+              <a:t>    </a:t>
+            </a:r>
+            <a:r>
+              <a:rPr lang="es-MX" sz="1200" dirty="0" err="1"/>
+              <a:t>int</a:t>
+            </a:r>
+            <a:r>
+              <a:rPr lang="es-MX" sz="1200" dirty="0"/>
+              <a:t> edad;</a:t>
+            </a:r>
+          </a:p>
+          <a:p>
+            <a:r>
+              <a:rPr lang="es-MX" sz="1200"/>
+              <a:t>    printf</a:t>
+            </a:r>
+            <a:r>
+              <a:rPr lang="es-MX" sz="1200" dirty="0"/>
+              <a:t>("Introduce tu edad:\n");</a:t>
+            </a:r>
+          </a:p>
+          <a:p>
+            <a:r>
+              <a:rPr lang="es-MX" sz="1200" dirty="0"/>
+              <a:t>    </a:t>
+            </a:r>
+            <a:r>
+              <a:rPr lang="es-MX" sz="1200" dirty="0" err="1"/>
+              <a:t>scanf</a:t>
+            </a:r>
+            <a:r>
+              <a:rPr lang="es-MX" sz="1200" dirty="0"/>
+              <a:t>("%</a:t>
+            </a:r>
+            <a:r>
+              <a:rPr lang="es-MX" sz="1200" dirty="0" err="1"/>
+              <a:t>i",&amp;edad</a:t>
+            </a:r>
+            <a:r>
+              <a:rPr lang="es-MX" sz="1200" dirty="0"/>
+              <a:t>);</a:t>
+            </a:r>
+          </a:p>
+          <a:p>
+            <a:endParaRPr lang="es-MX" sz="1200" dirty="0"/>
+          </a:p>
+          <a:p>
+            <a:r>
+              <a:rPr lang="es-MX" sz="1200" dirty="0"/>
+              <a:t>    </a:t>
+            </a:r>
+            <a:r>
+              <a:rPr lang="es-MX" sz="1200" dirty="0" err="1"/>
+              <a:t>if</a:t>
+            </a:r>
+            <a:r>
+              <a:rPr lang="es-MX" sz="1200" dirty="0"/>
+              <a:t>(edad&lt;=12){</a:t>
+            </a:r>
+          </a:p>
+          <a:p>
+            <a:r>
+              <a:rPr lang="es-MX" sz="1200"/>
+              <a:t>        printf</a:t>
+            </a:r>
+            <a:r>
+              <a:rPr lang="es-MX" sz="1200" dirty="0"/>
+              <a:t>("Eres un </a:t>
+            </a:r>
+            <a:r>
+              <a:rPr lang="es-MX" sz="1200" dirty="0" err="1"/>
+              <a:t>nino</a:t>
+            </a:r>
+            <a:r>
+              <a:rPr lang="es-MX" sz="1200" dirty="0"/>
+              <a:t>");</a:t>
+            </a:r>
+          </a:p>
+          <a:p>
+            <a:r>
+              <a:rPr lang="es-MX" sz="1200" dirty="0"/>
+              <a:t>    }</a:t>
+            </a:r>
+          </a:p>
+          <a:p>
+            <a:r>
+              <a:rPr lang="es-MX" sz="1200" dirty="0"/>
+              <a:t>    </a:t>
+            </a:r>
+            <a:r>
+              <a:rPr lang="es-MX" sz="1200" dirty="0" err="1"/>
+              <a:t>if</a:t>
+            </a:r>
+            <a:r>
+              <a:rPr lang="es-MX" sz="1200" dirty="0"/>
+              <a:t>((edad&gt;13)&amp;&amp;(edad&lt;=18)){</a:t>
+            </a:r>
+          </a:p>
+          <a:p>
+            <a:r>
+              <a:rPr lang="es-MX" sz="1200"/>
+              <a:t>        printf</a:t>
+            </a:r>
+            <a:r>
+              <a:rPr lang="es-MX" sz="1200" dirty="0"/>
+              <a:t>("Eres un </a:t>
+            </a:r>
+            <a:r>
+              <a:rPr lang="es-MX" sz="1200" dirty="0" err="1"/>
+              <a:t>adolecente</a:t>
+            </a:r>
+            <a:r>
+              <a:rPr lang="es-MX" sz="1200" dirty="0"/>
+              <a:t>");</a:t>
+            </a:r>
+          </a:p>
+          <a:p>
+            <a:r>
+              <a:rPr lang="es-MX" sz="1200" dirty="0"/>
+              <a:t>    }</a:t>
+            </a:r>
+          </a:p>
+          <a:p>
+            <a:r>
+              <a:rPr lang="es-MX" sz="1200" dirty="0"/>
+              <a:t>    </a:t>
+            </a:r>
+            <a:r>
+              <a:rPr lang="es-MX" sz="1200" dirty="0" err="1"/>
+              <a:t>if</a:t>
+            </a:r>
+            <a:r>
+              <a:rPr lang="es-MX" sz="1200" dirty="0"/>
+              <a:t>((edad&gt;19)&amp;&amp;(edad&lt;=25)){</a:t>
+            </a:r>
+          </a:p>
+          <a:p>
+            <a:r>
+              <a:rPr lang="es-MX" sz="1200"/>
+              <a:t>        printf</a:t>
+            </a:r>
+            <a:r>
+              <a:rPr lang="es-MX" sz="1200" dirty="0"/>
+              <a:t>("Eres un joven");</a:t>
+            </a:r>
+          </a:p>
+          <a:p>
+            <a:r>
+              <a:rPr lang="es-MX" sz="1200" dirty="0"/>
+              <a:t>    }</a:t>
+            </a:r>
+          </a:p>
+          <a:p>
+            <a:r>
+              <a:rPr lang="es-MX" sz="1200" dirty="0"/>
+              <a:t>    </a:t>
+            </a:r>
+            <a:r>
+              <a:rPr lang="es-MX" sz="1200" dirty="0" err="1"/>
+              <a:t>if</a:t>
+            </a:r>
+            <a:r>
+              <a:rPr lang="es-MX" sz="1200" dirty="0"/>
+              <a:t>((edad&gt;26)&amp;&amp;(edad&lt;=59)){</a:t>
+            </a:r>
+          </a:p>
+          <a:p>
+            <a:r>
+              <a:rPr lang="es-MX" sz="1200"/>
+              <a:t>        printf</a:t>
+            </a:r>
+            <a:r>
+              <a:rPr lang="es-MX" sz="1200" dirty="0"/>
+              <a:t>("Eres un adulto");</a:t>
+            </a:r>
+          </a:p>
+          <a:p>
+            <a:r>
+              <a:rPr lang="es-MX" sz="1200" dirty="0"/>
+              <a:t>    }</a:t>
+            </a:r>
+          </a:p>
+          <a:p>
+            <a:r>
+              <a:rPr lang="es-MX" sz="1200" dirty="0"/>
+              <a:t>    </a:t>
+            </a:r>
+            <a:r>
+              <a:rPr lang="es-MX" sz="1200" dirty="0" err="1"/>
+              <a:t>if</a:t>
+            </a:r>
+            <a:r>
+              <a:rPr lang="es-MX" sz="1200" dirty="0"/>
+              <a:t>(edad &gt;=60){</a:t>
+            </a:r>
+          </a:p>
+          <a:p>
+            <a:r>
+              <a:rPr lang="es-MX" sz="1200"/>
+              <a:t>        printf</a:t>
+            </a:r>
+            <a:r>
+              <a:rPr lang="es-MX" sz="1200" dirty="0"/>
+              <a:t>("Eres un adulto de la tercera edad");</a:t>
+            </a:r>
+          </a:p>
+          <a:p>
+            <a:r>
+              <a:rPr lang="es-MX" sz="1200" dirty="0"/>
+              <a:t>    }</a:t>
+            </a:r>
+          </a:p>
+          <a:p>
+            <a:endParaRPr lang="es-MX" sz="1200" dirty="0"/>
+          </a:p>
+          <a:p>
+            <a:r>
+              <a:rPr lang="es-MX" sz="1200" dirty="0"/>
+              <a:t>}</a:t>
+            </a:r>
           </a:p>
         </p:txBody>
       </p:sp>
@@ -37031,51 +38086,36 @@
           </a:p>
         </p:txBody>
       </p:sp>
-      <p:sp>
-        <p:nvSpPr>
-          <p:cNvPr id="14" name="13 Rectángulo redondeado"/>
-          <p:cNvSpPr/>
+      <p:pic>
+        <p:nvPicPr>
+          <p:cNvPr id="5" name="Imagen 4">
+            <a:extLst>
+              <a:ext uri="{FF2B5EF4-FFF2-40B4-BE49-F238E27FC236}">
+                <a16:creationId xmlns:a16="http://schemas.microsoft.com/office/drawing/2014/main" id="{7B8A974B-75A7-4234-633F-90B9BB39D701}"/>
+              </a:ext>
+            </a:extLst>
+          </p:cNvPr>
+          <p:cNvPicPr>
+            <a:picLocks noChangeAspect="1"/>
+          </p:cNvPicPr>
           <p:nvPr/>
-        </p:nvSpPr>
+        </p:nvPicPr>
+        <p:blipFill>
+          <a:blip r:embed="rId7"/>
+          <a:stretch>
+            <a:fillRect/>
+          </a:stretch>
+        </p:blipFill>
         <p:spPr>
           <a:xfrm>
-            <a:off x="3645024" y="1403648"/>
-            <a:ext cx="2952328" cy="6624736"/>
+            <a:off x="1340768" y="6084168"/>
+            <a:ext cx="2305020" cy="1251297"/>
           </a:xfrm>
-          <a:prstGeom prst="roundRect">
+          <a:prstGeom prst="rect">
             <a:avLst/>
           </a:prstGeom>
-          <a:effectLst>
-            <a:glow rad="228600">
-              <a:schemeClr val="accent4">
-                <a:satMod val="175000"/>
-                <a:alpha val="40000"/>
-              </a:schemeClr>
-            </a:glow>
-          </a:effectLst>
         </p:spPr>
-        <p:style>
-          <a:lnRef idx="2">
-            <a:schemeClr val="accent4"/>
-          </a:lnRef>
-          <a:fillRef idx="1">
-            <a:schemeClr val="lt1"/>
-          </a:fillRef>
-          <a:effectRef idx="0">
-            <a:schemeClr val="accent4"/>
-          </a:effectRef>
-          <a:fontRef idx="minor">
-            <a:schemeClr val="dk1"/>
-          </a:fontRef>
-        </p:style>
-        <p:txBody>
-          <a:bodyPr lIns="91435" tIns="45718" rIns="91435" bIns="45718" rtlCol="0" anchor="t"/>
-          <a:lstStyle/>
-          <a:p>
-            <a:endParaRPr lang="es-MX" sz="1200" dirty="0"/>
-          </a:p>
-        </p:txBody>
-      </p:sp>
+      </p:pic>
     </p:spTree>
     <p:extLst>
       <p:ext uri="{BB962C8B-B14F-4D97-AF65-F5344CB8AC3E}">
@@ -37347,7 +38387,7 @@
           <a:lstStyle/>
           <a:p>
             <a:r>
-              <a:rPr lang="es-MX" sz="1600" dirty="0">
+              <a:rPr lang="es-MX" sz="1400" dirty="0">
                 <a:solidFill>
                   <a:schemeClr val="tx1"/>
                 </a:solidFill>
@@ -37357,31 +38397,15 @@
           </a:p>
           <a:p>
             <a:r>
-              <a:rPr lang="es-MX" sz="1600" dirty="0">
+              <a:rPr lang="es-MX" sz="1400" dirty="0">
                 <a:solidFill>
                   <a:schemeClr val="tx1"/>
                 </a:solidFill>
               </a:rPr>
-              <a:t>        </a:t>
-            </a:r>
-            <a:r>
-              <a:rPr lang="es-MX" sz="1600" dirty="0" err="1">
-                <a:solidFill>
-                  <a:schemeClr val="tx1"/>
-                </a:solidFill>
-              </a:rPr>
-              <a:t>print</a:t>
-            </a:r>
-            <a:r>
-              <a:rPr lang="es-MX" sz="1600" dirty="0">
-                <a:solidFill>
-                  <a:schemeClr val="tx1"/>
-                </a:solidFill>
-              </a:rPr>
-              <a:t>("Pagas la mitad de </a:t>
-            </a:r>
-            <a:r>
-              <a:rPr lang="es-MX" sz="1600" dirty="0" err="1">
+              <a:t>        imprime("Pagas la mitad de </a:t>
+            </a:r>
+            <a:r>
+              <a:rPr lang="es-MX" sz="1400" dirty="0" err="1">
                 <a:solidFill>
                   <a:schemeClr val="tx1"/>
                 </a:solidFill>
@@ -37389,7 +38413,7 @@
               <a:t>precio.Solo</a:t>
             </a:r>
             <a:r>
-              <a:rPr lang="es-MX" sz="1600" dirty="0">
+              <a:rPr lang="es-MX" sz="1400" dirty="0">
                 <a:solidFill>
                   <a:schemeClr val="tx1"/>
                 </a:solidFill>
@@ -37399,7 +38423,7 @@
           </a:p>
           <a:p>
             <a:r>
-              <a:rPr lang="es-MX" sz="1600" dirty="0">
+              <a:rPr lang="es-MX" sz="1400" dirty="0">
                 <a:solidFill>
                   <a:schemeClr val="tx1"/>
                 </a:solidFill>
@@ -37409,7 +38433,7 @@
           </a:p>
           <a:p>
             <a:r>
-              <a:rPr lang="es-MX" sz="1600" dirty="0">
+              <a:rPr lang="es-MX" sz="1400" dirty="0">
                 <a:solidFill>
                   <a:schemeClr val="tx1"/>
                 </a:solidFill>
@@ -37419,33 +38443,17 @@
           </a:p>
           <a:p>
             <a:r>
-              <a:rPr lang="es-MX" sz="1600" dirty="0">
+              <a:rPr lang="es-MX" sz="1400" dirty="0">
                 <a:solidFill>
                   <a:schemeClr val="tx1"/>
                 </a:solidFill>
               </a:rPr>
-              <a:t>            </a:t>
-            </a:r>
-            <a:r>
-              <a:rPr lang="es-MX" sz="1600" dirty="0" err="1">
-                <a:solidFill>
-                  <a:schemeClr val="tx1"/>
-                </a:solidFill>
-              </a:rPr>
-              <a:t>print</a:t>
-            </a:r>
-            <a:r>
-              <a:rPr lang="es-MX" sz="1600" dirty="0">
-                <a:solidFill>
-                  <a:schemeClr val="tx1"/>
-                </a:solidFill>
-              </a:rPr>
-              <a:t>("No pagas pasaje")</a:t>
+              <a:t>            imprime ("No pagas pasaje")</a:t>
             </a:r>
           </a:p>
           <a:p>
             <a:r>
-              <a:rPr lang="es-MX" sz="1600" dirty="0">
+              <a:rPr lang="es-MX" sz="1400" dirty="0">
                 <a:solidFill>
                   <a:schemeClr val="tx1"/>
                 </a:solidFill>
@@ -37455,33 +38463,17 @@
           </a:p>
           <a:p>
             <a:r>
-              <a:rPr lang="es-MX" sz="1600" dirty="0">
+              <a:rPr lang="es-MX" sz="1400" dirty="0">
                 <a:solidFill>
                   <a:schemeClr val="tx1"/>
                 </a:solidFill>
               </a:rPr>
-              <a:t>            </a:t>
-            </a:r>
-            <a:r>
-              <a:rPr lang="es-MX" sz="1600" dirty="0" err="1">
-                <a:solidFill>
-                  <a:schemeClr val="tx1"/>
-                </a:solidFill>
-              </a:rPr>
-              <a:t>print</a:t>
-            </a:r>
-            <a:r>
-              <a:rPr lang="es-MX" sz="1600" dirty="0">
-                <a:solidFill>
-                  <a:schemeClr val="tx1"/>
-                </a:solidFill>
-              </a:rPr>
-              <a:t>("Pagas 10 pesos de pasaje")</a:t>
+              <a:t>            imprime ("Pagas 10 pesos de pasaje")</a:t>
             </a:r>
           </a:p>
           <a:p>
             <a:r>
-              <a:rPr lang="es-MX" sz="1600" dirty="0">
+              <a:rPr lang="es-MX" sz="1400" dirty="0">
                 <a:solidFill>
                   <a:schemeClr val="tx1"/>
                 </a:solidFill>
@@ -37491,7 +38483,7 @@
           </a:p>
           <a:p>
             <a:r>
-              <a:rPr lang="es-MX" dirty="0"/>
+              <a:rPr lang="es-MX" sz="1600" dirty="0"/>
               <a:t>    </a:t>
             </a:r>
           </a:p>
@@ -37580,52 +38572,12 @@
           <a:lstStyle/>
           <a:p>
             <a:r>
-              <a:rPr lang="es-MX" dirty="0" err="1">
-                <a:solidFill>
-                  <a:schemeClr val="tx1"/>
-                </a:solidFill>
-              </a:rPr>
-              <a:t>Print</a:t>
-            </a:r>
-            <a:r>
               <a:rPr lang="es-MX" dirty="0">
                 <a:solidFill>
                   <a:schemeClr val="tx1"/>
                 </a:solidFill>
               </a:rPr>
-              <a:t> “Pagan solo la mitad” o </a:t>
-            </a:r>
-            <a:r>
-              <a:rPr lang="es-MX" dirty="0" err="1">
-                <a:solidFill>
-                  <a:schemeClr val="tx1"/>
-                </a:solidFill>
-              </a:rPr>
-              <a:t>Print</a:t>
-            </a:r>
-            <a:r>
-              <a:rPr lang="es-MX" dirty="0">
-                <a:solidFill>
-                  <a:schemeClr val="tx1"/>
-                </a:solidFill>
-              </a:rPr>
-              <a:t> “No pagas pasaje” o </a:t>
-            </a:r>
-            <a:r>
-              <a:rPr lang="es-MX" dirty="0" err="1">
-                <a:solidFill>
-                  <a:schemeClr val="tx1"/>
-                </a:solidFill>
-              </a:rPr>
-              <a:t>Print</a:t>
-            </a:r>
-            <a:r>
-              <a:rPr lang="es-MX" dirty="0">
-                <a:solidFill>
-                  <a:schemeClr val="tx1"/>
-                </a:solidFill>
-              </a:rPr>
-              <a:t> “El pasaje cuesta 10 pesos”</a:t>
+              <a:t>imprime “Pagan solo la mitad” o imprime “No pagas pasaje” o imprime “El pasaje cuesta 10 pesos”</a:t>
             </a:r>
           </a:p>
         </p:txBody>
@@ -38133,7 +39085,150 @@
           <a:bodyPr lIns="91435" tIns="45718" rIns="91435" bIns="45718" rtlCol="0" anchor="t"/>
           <a:lstStyle/>
           <a:p>
-            <a:endParaRPr lang="es-MX" sz="1200" dirty="0"/>
+            <a:r>
+              <a:rPr lang="es-MX" sz="1200" dirty="0"/>
+              <a:t>Inicio</a:t>
+            </a:r>
+          </a:p>
+          <a:p>
+            <a:r>
+              <a:rPr lang="es-MX" sz="1200" dirty="0"/>
+              <a:t>      Imprime “Introduce tu edad para saber cuanto pagaras en el transporte RUTA”</a:t>
+            </a:r>
+          </a:p>
+          <a:p>
+            <a:r>
+              <a:rPr lang="es-MX" sz="1200" dirty="0"/>
+              <a:t>      Imprime “Introduce tu edad:”</a:t>
+            </a:r>
+          </a:p>
+          <a:p>
+            <a:r>
+              <a:rPr lang="es-MX" sz="1200" dirty="0"/>
+              <a:t>      Lee edad</a:t>
+            </a:r>
+          </a:p>
+          <a:p>
+            <a:r>
+              <a:rPr lang="es-MX" sz="1200" dirty="0"/>
+              <a:t>      </a:t>
+            </a:r>
+            <a:r>
+              <a:rPr lang="es-MX" sz="1200" dirty="0">
+                <a:solidFill>
+                  <a:schemeClr val="tx1"/>
+                </a:solidFill>
+              </a:rPr>
+              <a:t>Si((edad &gt;= 5 y edad &lt;= 10) o (edad &gt;= 60 y edad &lt;= 80)){</a:t>
+            </a:r>
+          </a:p>
+          <a:p>
+            <a:r>
+              <a:rPr lang="es-MX" sz="1200" dirty="0">
+                <a:solidFill>
+                  <a:schemeClr val="tx1"/>
+                </a:solidFill>
+              </a:rPr>
+              <a:t>           imprime("Pagas la mitad de </a:t>
+            </a:r>
+            <a:r>
+              <a:rPr lang="es-MX" sz="1200" dirty="0" err="1">
+                <a:solidFill>
+                  <a:schemeClr val="tx1"/>
+                </a:solidFill>
+              </a:rPr>
+              <a:t>precio.Solo</a:t>
+            </a:r>
+            <a:r>
+              <a:rPr lang="es-MX" sz="1200" dirty="0">
+                <a:solidFill>
+                  <a:schemeClr val="tx1"/>
+                </a:solidFill>
+              </a:rPr>
+              <a:t> pagaras 5 pesos.")</a:t>
+            </a:r>
+          </a:p>
+          <a:p>
+            <a:r>
+              <a:rPr lang="es-MX" sz="1200" dirty="0">
+                <a:solidFill>
+                  <a:schemeClr val="tx1"/>
+                </a:solidFill>
+              </a:rPr>
+              <a:t>    } Si no{</a:t>
+            </a:r>
+          </a:p>
+          <a:p>
+            <a:r>
+              <a:rPr lang="es-MX" sz="1200" dirty="0">
+                <a:solidFill>
+                  <a:schemeClr val="tx1"/>
+                </a:solidFill>
+              </a:rPr>
+              <a:t>        Si((edad&lt;5) o (edad&gt;80)){</a:t>
+            </a:r>
+          </a:p>
+          <a:p>
+            <a:r>
+              <a:rPr lang="es-MX" sz="1200" dirty="0">
+                <a:solidFill>
+                  <a:schemeClr val="tx1"/>
+                </a:solidFill>
+              </a:rPr>
+              <a:t>           imprime("No pagas pasaje")</a:t>
+            </a:r>
+          </a:p>
+          <a:p>
+            <a:r>
+              <a:rPr lang="es-MX" sz="1200" dirty="0">
+                <a:solidFill>
+                  <a:schemeClr val="tx1"/>
+                </a:solidFill>
+              </a:rPr>
+              <a:t>        } Si no{</a:t>
+            </a:r>
+          </a:p>
+          <a:p>
+            <a:r>
+              <a:rPr lang="es-MX" sz="1200" dirty="0">
+                <a:solidFill>
+                  <a:schemeClr val="tx1"/>
+                </a:solidFill>
+              </a:rPr>
+              <a:t>           </a:t>
+            </a:r>
+            <a:r>
+              <a:rPr lang="es-MX" sz="1200" dirty="0"/>
+              <a:t>Imprime</a:t>
+            </a:r>
+            <a:r>
+              <a:rPr lang="es-MX" sz="1200" dirty="0">
+                <a:solidFill>
+                  <a:schemeClr val="tx1"/>
+                </a:solidFill>
+              </a:rPr>
+              <a:t>("Pagas 10 pesos de pasaje")</a:t>
+            </a:r>
+          </a:p>
+          <a:p>
+            <a:r>
+              <a:rPr lang="es-MX" sz="1200" dirty="0">
+                <a:solidFill>
+                  <a:schemeClr val="tx1"/>
+                </a:solidFill>
+              </a:rPr>
+              <a:t>        }</a:t>
+            </a:r>
+          </a:p>
+          <a:p>
+            <a:r>
+              <a:rPr lang="es-MX" sz="1200" dirty="0">
+                <a:solidFill>
+                  <a:schemeClr val="tx1"/>
+                </a:solidFill>
+              </a:rPr>
+              <a:t>Fin</a:t>
+            </a:r>
           </a:p>
         </p:txBody>
       </p:sp>
@@ -39017,109 +40112,216 @@
           <a:lstStyle/>
           <a:p>
             <a:r>
-              <a:rPr lang="es-MX" sz="1200"/>
-              <a:t>#include &lt;stdio.h&gt;</a:t>
+              <a:rPr lang="es-MX" sz="1200" dirty="0"/>
+              <a:t>#include &lt;</a:t>
+            </a:r>
+            <a:r>
+              <a:rPr lang="es-MX" sz="1200" dirty="0" err="1"/>
+              <a:t>stdio.h</a:t>
+            </a:r>
+            <a:r>
+              <a:rPr lang="es-MX" sz="1200" dirty="0"/>
+              <a:t>&gt;</a:t>
             </a:r>
           </a:p>
           <a:p>
-            <a:endParaRPr lang="es-MX" sz="1200"/>
+            <a:endParaRPr lang="es-MX" sz="1200" dirty="0"/>
           </a:p>
           <a:p>
             <a:r>
-              <a:rPr lang="es-MX" sz="1200"/>
-              <a:t>void main() {</a:t>
+              <a:rPr lang="es-MX" sz="1200" dirty="0" err="1"/>
+              <a:t>void</a:t>
+            </a:r>
+            <a:r>
+              <a:rPr lang="es-MX" sz="1200" dirty="0"/>
+              <a:t> </a:t>
+            </a:r>
+            <a:r>
+              <a:rPr lang="es-MX" sz="1200" dirty="0" err="1"/>
+              <a:t>main</a:t>
+            </a:r>
+            <a:r>
+              <a:rPr lang="es-MX" sz="1200" dirty="0"/>
+              <a:t>() {</a:t>
             </a:r>
           </a:p>
           <a:p>
             <a:r>
-              <a:rPr lang="es-MX" sz="1200"/>
-              <a:t>    int edad;</a:t>
+              <a:rPr lang="es-MX" sz="1200" dirty="0"/>
+              <a:t>    </a:t>
+            </a:r>
+            <a:r>
+              <a:rPr lang="es-MX" sz="1200" dirty="0" err="1"/>
+              <a:t>int</a:t>
+            </a:r>
+            <a:r>
+              <a:rPr lang="es-MX" sz="1200" dirty="0"/>
+              <a:t> edad;</a:t>
             </a:r>
           </a:p>
           <a:p>
-            <a:endParaRPr lang="es-MX" sz="1200"/>
+            <a:endParaRPr lang="es-MX" sz="1200" dirty="0"/>
           </a:p>
           <a:p>
             <a:r>
               <a:rPr lang="es-MX" sz="1200"/>
-              <a:t>    printf("Introduce tu edada para saber cuanto pagaras en el transporte RUTA.\n"</a:t>
+              <a:t>    printf</a:t>
+            </a:r>
+            <a:r>
+              <a:rPr lang="es-MX" sz="1200" dirty="0"/>
+              <a:t>("Introduce tu </a:t>
+            </a:r>
+            <a:r>
+              <a:rPr lang="es-MX" sz="1200" dirty="0" err="1"/>
+              <a:t>edada</a:t>
+            </a:r>
+            <a:r>
+              <a:rPr lang="es-MX" sz="1200" dirty="0"/>
+              <a:t> para saber cuanto pagaras en el transporte RUTA.\n"</a:t>
             </a:r>
           </a:p>
           <a:p>
             <a:r>
-              <a:rPr lang="es-MX" sz="1200"/>
+              <a:rPr lang="es-MX" sz="1200" dirty="0"/>
               <a:t>           "Introduce tu edad:");</a:t>
             </a:r>
           </a:p>
           <a:p>
             <a:r>
-              <a:rPr lang="es-MX" sz="1200"/>
-              <a:t>    scanf("%i",&amp;edad);</a:t>
+              <a:rPr lang="es-MX" sz="1200" dirty="0"/>
+              <a:t>    </a:t>
+            </a:r>
+            <a:r>
+              <a:rPr lang="es-MX" sz="1200" dirty="0" err="1"/>
+              <a:t>scanf</a:t>
+            </a:r>
+            <a:r>
+              <a:rPr lang="es-MX" sz="1200" dirty="0"/>
+              <a:t>("%</a:t>
+            </a:r>
+            <a:r>
+              <a:rPr lang="es-MX" sz="1200" dirty="0" err="1"/>
+              <a:t>i",&amp;edad</a:t>
+            </a:r>
+            <a:r>
+              <a:rPr lang="es-MX" sz="1200" dirty="0"/>
+              <a:t>);</a:t>
             </a:r>
           </a:p>
           <a:p>
-            <a:endParaRPr lang="es-MX" sz="1200"/>
+            <a:endParaRPr lang="es-MX" sz="1200" dirty="0"/>
           </a:p>
           <a:p>
             <a:r>
-              <a:rPr lang="es-MX" sz="1200"/>
-              <a:t>    if((edad &gt;= 5 &amp;&amp; edad &lt;= 10) || (edad &gt;= 60 &amp;&amp; edad &lt;= 80)){</a:t>
+              <a:rPr lang="es-MX" sz="1200" dirty="0"/>
+              <a:t>    </a:t>
+            </a:r>
+            <a:r>
+              <a:rPr lang="es-MX" sz="1200" dirty="0" err="1"/>
+              <a:t>if</a:t>
+            </a:r>
+            <a:r>
+              <a:rPr lang="es-MX" sz="1200" dirty="0"/>
+              <a:t>((edad &gt;= 5 &amp;&amp; edad &lt;= 10) || (edad &gt;= 60 &amp;&amp; edad &lt;= 80)){</a:t>
             </a:r>
           </a:p>
           <a:p>
             <a:r>
               <a:rPr lang="es-MX" sz="1200"/>
-              <a:t>        printf("Pagas la mitad de precio.\nSolo pagaras 5 pesos.");</a:t>
+              <a:t>        printf</a:t>
+            </a:r>
+            <a:r>
+              <a:rPr lang="es-MX" sz="1200" dirty="0"/>
+              <a:t>("Pagas la mitad de precio.\</a:t>
+            </a:r>
+            <a:r>
+              <a:rPr lang="es-MX" sz="1200" dirty="0" err="1"/>
+              <a:t>nSolo</a:t>
+            </a:r>
+            <a:r>
+              <a:rPr lang="es-MX" sz="1200" dirty="0"/>
+              <a:t> pagaras 5 pesos.");</a:t>
             </a:r>
           </a:p>
           <a:p>
             <a:r>
-              <a:rPr lang="es-MX" sz="1200"/>
-              <a:t>    }else{</a:t>
+              <a:rPr lang="es-MX" sz="1200" dirty="0"/>
+              <a:t>    }</a:t>
+            </a:r>
+            <a:r>
+              <a:rPr lang="es-MX" sz="1200" dirty="0" err="1"/>
+              <a:t>else</a:t>
+            </a:r>
+            <a:r>
+              <a:rPr lang="es-MX" sz="1200" dirty="0"/>
+              <a:t>{</a:t>
             </a:r>
           </a:p>
           <a:p>
             <a:r>
-              <a:rPr lang="es-MX" sz="1200"/>
-              <a:t>        if((edad&lt;5)||(edad&gt;80)){</a:t>
+              <a:rPr lang="es-MX" sz="1200" dirty="0"/>
+              <a:t>        </a:t>
+            </a:r>
+            <a:r>
+              <a:rPr lang="es-MX" sz="1200" dirty="0" err="1"/>
+              <a:t>if</a:t>
+            </a:r>
+            <a:r>
+              <a:rPr lang="es-MX" sz="1200" dirty="0"/>
+              <a:t>((edad&lt;5)||(edad&gt;80)){</a:t>
             </a:r>
           </a:p>
           <a:p>
             <a:r>
               <a:rPr lang="es-MX" sz="1200"/>
-              <a:t>            printf("No pagas pasaje");</a:t>
+              <a:t>            printf</a:t>
+            </a:r>
+            <a:r>
+              <a:rPr lang="es-MX" sz="1200" dirty="0"/>
+              <a:t>("No pagas pasaje");</a:t>
             </a:r>
           </a:p>
           <a:p>
             <a:r>
-              <a:rPr lang="es-MX" sz="1200"/>
-              <a:t>        } else{</a:t>
+              <a:rPr lang="es-MX" sz="1200" dirty="0"/>
+              <a:t>        } </a:t>
+            </a:r>
+            <a:r>
+              <a:rPr lang="es-MX" sz="1200" dirty="0" err="1"/>
+              <a:t>else</a:t>
+            </a:r>
+            <a:r>
+              <a:rPr lang="es-MX" sz="1200" dirty="0"/>
+              <a:t>{</a:t>
             </a:r>
           </a:p>
           <a:p>
             <a:r>
               <a:rPr lang="es-MX" sz="1200"/>
-              <a:t>            printf("Pagas 10 pesos de pasaje");</a:t>
+              <a:t>            printf</a:t>
+            </a:r>
+            <a:r>
+              <a:rPr lang="es-MX" sz="1200" dirty="0"/>
+              <a:t>("Pagas 10 pesos de pasaje");</a:t>
             </a:r>
           </a:p>
           <a:p>
             <a:r>
-              <a:rPr lang="es-MX" sz="1200"/>
+              <a:rPr lang="es-MX" sz="1200" dirty="0"/>
               <a:t>        }</a:t>
             </a:r>
           </a:p>
           <a:p>
             <a:r>
-              <a:rPr lang="es-MX" sz="1200"/>
+              <a:rPr lang="es-MX" sz="1200" dirty="0"/>
               <a:t>    }</a:t>
             </a:r>
           </a:p>
           <a:p>
             <a:r>
-              <a:rPr lang="es-MX" sz="1200"/>
+              <a:rPr lang="es-MX" sz="1200" dirty="0"/>
               <a:t>}</a:t>
             </a:r>
-            <a:endParaRPr lang="es-MX" sz="1200" dirty="0"/>
           </a:p>
         </p:txBody>
       </p:sp>
@@ -39614,7 +40816,7 @@
         <p:spPr>
           <a:xfrm>
             <a:off x="404664" y="3611895"/>
-            <a:ext cx="1321952" cy="1344149"/>
+            <a:ext cx="1321952" cy="672073"/>
           </a:xfrm>
           <a:prstGeom prst="roundRect">
             <a:avLst/>
@@ -39662,8 +40864,8 @@
         </p:nvSpPr>
         <p:spPr>
           <a:xfrm>
-            <a:off x="1988839" y="3611895"/>
-            <a:ext cx="4464497" cy="1344149"/>
+            <a:off x="1988839" y="3611896"/>
+            <a:ext cx="4464497" cy="622422"/>
           </a:xfrm>
           <a:prstGeom prst="roundRect">
             <a:avLst/>
@@ -39687,7 +40889,14 @@
           <a:bodyPr lIns="91435" tIns="45718" rIns="91435" bIns="45718" rtlCol="0" anchor="ctr"/>
           <a:lstStyle/>
           <a:p>
-            <a:endParaRPr lang="es-MX" dirty="0"/>
+            <a:r>
+              <a:rPr lang="es-MX" dirty="0">
+                <a:solidFill>
+                  <a:schemeClr val="tx1"/>
+                </a:solidFill>
+              </a:rPr>
+              <a:t>num1,num2,num3</a:t>
+            </a:r>
           </a:p>
         </p:txBody>
       </p:sp>
@@ -39699,8 +40908,8 @@
         </p:nvSpPr>
         <p:spPr>
           <a:xfrm>
-            <a:off x="404664" y="5159244"/>
-            <a:ext cx="1321952" cy="1344149"/>
+            <a:off x="404664" y="4463480"/>
+            <a:ext cx="1321952" cy="2039913"/>
           </a:xfrm>
           <a:prstGeom prst="roundRect">
             <a:avLst/>
@@ -39748,8 +40957,8 @@
         </p:nvSpPr>
         <p:spPr>
           <a:xfrm>
-            <a:off x="1988839" y="5159244"/>
-            <a:ext cx="4464498" cy="1344149"/>
+            <a:off x="1988839" y="4463480"/>
+            <a:ext cx="4464498" cy="2039913"/>
           </a:xfrm>
           <a:prstGeom prst="roundRect">
             <a:avLst/>
@@ -39773,7 +40982,70 @@
           <a:bodyPr lIns="91435" tIns="45718" rIns="91435" bIns="45718" rtlCol="0" anchor="ctr"/>
           <a:lstStyle/>
           <a:p>
-            <a:endParaRPr lang="es-MX" dirty="0"/>
+            <a:r>
+              <a:rPr lang="es-MX" dirty="0">
+                <a:solidFill>
+                  <a:schemeClr val="tx1"/>
+                </a:solidFill>
+              </a:rPr>
+              <a:t>Si((</a:t>
+            </a:r>
+            <a:r>
+              <a:rPr lang="es-MX" dirty="0" err="1">
+                <a:solidFill>
+                  <a:schemeClr val="tx1"/>
+                </a:solidFill>
+              </a:rPr>
+              <a:t>aux</a:t>
+            </a:r>
+            <a:r>
+              <a:rPr lang="es-MX" dirty="0">
+                <a:solidFill>
+                  <a:schemeClr val="tx1"/>
+                </a:solidFill>
+              </a:rPr>
+              <a:t>=num1) y (aux2=num3)){</a:t>
+            </a:r>
+          </a:p>
+          <a:p>
+            <a:r>
+              <a:rPr lang="es-MX" dirty="0">
+                <a:solidFill>
+                  <a:schemeClr val="tx1"/>
+                </a:solidFill>
+              </a:rPr>
+              <a:t>        imprime("Se introdujeron de forma correcta")</a:t>
+            </a:r>
+          </a:p>
+          <a:p>
+            <a:r>
+              <a:rPr lang="es-MX" dirty="0">
+                <a:solidFill>
+                  <a:schemeClr val="tx1"/>
+                </a:solidFill>
+              </a:rPr>
+              <a:t>    } Si no{</a:t>
+            </a:r>
+          </a:p>
+          <a:p>
+            <a:r>
+              <a:rPr lang="es-MX" dirty="0">
+                <a:solidFill>
+                  <a:schemeClr val="tx1"/>
+                </a:solidFill>
+              </a:rPr>
+              <a:t>        imprime("Error. Introducidos de forma incorrecta")</a:t>
+            </a:r>
+          </a:p>
+          <a:p>
+            <a:r>
+              <a:rPr lang="es-MX" dirty="0">
+                <a:solidFill>
+                  <a:schemeClr val="tx1"/>
+                </a:solidFill>
+              </a:rPr>
+              <a:t>    }</a:t>
+            </a:r>
           </a:p>
         </p:txBody>
       </p:sp>
@@ -39858,6 +41130,31 @@
         <p:txBody>
           <a:bodyPr lIns="91435" tIns="45718" rIns="91435" bIns="45718" rtlCol="0" anchor="ctr"/>
           <a:lstStyle/>
+          <a:p>
+            <a:r>
+              <a:rPr lang="es-MX" dirty="0" err="1">
+                <a:solidFill>
+                  <a:schemeClr val="tx1"/>
+                </a:solidFill>
+              </a:rPr>
+              <a:t>imprime"Se</a:t>
+            </a:r>
+            <a:r>
+              <a:rPr lang="es-MX" dirty="0">
+                <a:solidFill>
+                  <a:schemeClr val="tx1"/>
+                </a:solidFill>
+              </a:rPr>
+              <a:t> introdujeron de forma correcta“ o imprime "Error. Introducidos de forma incorrecta"</a:t>
+            </a:r>
+          </a:p>
+          <a:p>
+            <a:endParaRPr lang="es-MX" dirty="0">
+              <a:solidFill>
+                <a:schemeClr val="tx1"/>
+              </a:solidFill>
+            </a:endParaRPr>
+          </a:p>
           <a:p>
             <a:endParaRPr lang="es-MX" dirty="0"/>
           </a:p>
@@ -40233,7 +41530,149 @@
           <a:bodyPr lIns="91435" tIns="45718" rIns="91435" bIns="45718" rtlCol="0" anchor="t"/>
           <a:lstStyle/>
           <a:p>
-            <a:endParaRPr lang="es-MX" sz="1200" dirty="0"/>
+            <a:r>
+              <a:rPr lang="es-MX" sz="1200" dirty="0"/>
+              <a:t>Inicio</a:t>
+            </a:r>
+          </a:p>
+          <a:p>
+            <a:r>
+              <a:rPr lang="es-MX" sz="1200" dirty="0"/>
+              <a:t>      Imprime “Se van a introducir 3 números”</a:t>
+            </a:r>
+            <a:br>
+              <a:rPr lang="es-MX" sz="1200" dirty="0"/>
+            </a:br>
+            <a:r>
+              <a:rPr lang="es-MX" sz="1200" dirty="0"/>
+              <a:t>      Imprime “Introduce tu numero:”</a:t>
+            </a:r>
+          </a:p>
+          <a:p>
+            <a:r>
+              <a:rPr lang="es-MX" sz="1200" dirty="0"/>
+              <a:t>      Lee num1</a:t>
+            </a:r>
+          </a:p>
+          <a:p>
+            <a:r>
+              <a:rPr lang="es-MX" sz="1200" dirty="0"/>
+              <a:t>      Imprime “Introduce tu numero:”</a:t>
+            </a:r>
+          </a:p>
+          <a:p>
+            <a:r>
+              <a:rPr lang="es-MX" sz="1200" dirty="0"/>
+              <a:t>      Lee num2</a:t>
+            </a:r>
+          </a:p>
+          <a:p>
+            <a:r>
+              <a:rPr lang="es-MX" sz="1200" dirty="0"/>
+              <a:t>      Imprime “Introduce tu numero:”</a:t>
+            </a:r>
+          </a:p>
+          <a:p>
+            <a:r>
+              <a:rPr lang="es-MX" sz="1200" dirty="0"/>
+              <a:t>      Lee num3</a:t>
+            </a:r>
+          </a:p>
+          <a:p>
+            <a:r>
+              <a:rPr lang="es-MX" sz="1200" dirty="0"/>
+              <a:t>      </a:t>
+            </a:r>
+            <a:r>
+              <a:rPr lang="es-MX" sz="1200" dirty="0" err="1"/>
+              <a:t>aux</a:t>
+            </a:r>
+            <a:r>
+              <a:rPr lang="es-MX" sz="1200" dirty="0"/>
+              <a:t>=num2-1</a:t>
+            </a:r>
+          </a:p>
+          <a:p>
+            <a:r>
+              <a:rPr lang="es-MX" sz="1200" dirty="0"/>
+              <a:t>      aux2=num2+1</a:t>
+            </a:r>
+          </a:p>
+          <a:p>
+            <a:r>
+              <a:rPr lang="es-MX" sz="1200" dirty="0"/>
+              <a:t>      </a:t>
+            </a:r>
+            <a:r>
+              <a:rPr lang="es-MX" sz="1200" dirty="0">
+                <a:solidFill>
+                  <a:schemeClr val="tx1"/>
+                </a:solidFill>
+              </a:rPr>
+              <a:t>Si((</a:t>
+            </a:r>
+            <a:r>
+              <a:rPr lang="es-MX" sz="1200" dirty="0" err="1">
+                <a:solidFill>
+                  <a:schemeClr val="tx1"/>
+                </a:solidFill>
+              </a:rPr>
+              <a:t>aux</a:t>
+            </a:r>
+            <a:r>
+              <a:rPr lang="es-MX" sz="1200" dirty="0">
+                <a:solidFill>
+                  <a:schemeClr val="tx1"/>
+                </a:solidFill>
+              </a:rPr>
+              <a:t>=num1) y (aux2=num3)){</a:t>
+            </a:r>
+          </a:p>
+          <a:p>
+            <a:r>
+              <a:rPr lang="es-MX" sz="1200" dirty="0">
+                <a:solidFill>
+                  <a:schemeClr val="tx1"/>
+                </a:solidFill>
+              </a:rPr>
+              <a:t>        Imprime("Se introdujeron de forma correcta")</a:t>
+            </a:r>
+          </a:p>
+          <a:p>
+            <a:r>
+              <a:rPr lang="es-MX" sz="1200" dirty="0">
+                <a:solidFill>
+                  <a:schemeClr val="tx1"/>
+                </a:solidFill>
+              </a:rPr>
+              <a:t>    } Si no{</a:t>
+            </a:r>
+          </a:p>
+          <a:p>
+            <a:r>
+              <a:rPr lang="es-MX" sz="1200" dirty="0">
+                <a:solidFill>
+                  <a:schemeClr val="tx1"/>
+                </a:solidFill>
+              </a:rPr>
+              <a:t>        Imprime("Error. Introducidos de forma incorrecta")</a:t>
+            </a:r>
+          </a:p>
+          <a:p>
+            <a:r>
+              <a:rPr lang="es-MX" sz="1200" dirty="0">
+                <a:solidFill>
+                  <a:schemeClr val="tx1"/>
+                </a:solidFill>
+              </a:rPr>
+              <a:t>    }</a:t>
+            </a:r>
+          </a:p>
+          <a:p>
+            <a:r>
+              <a:rPr lang="es-MX" sz="1200" dirty="0"/>
+              <a:t>Fin</a:t>
+            </a:r>
           </a:p>
         </p:txBody>
       </p:sp>
@@ -40717,8 +42156,8 @@
         </p:nvSpPr>
         <p:spPr>
           <a:xfrm>
-            <a:off x="368659" y="1403648"/>
-            <a:ext cx="2985801" cy="6624736"/>
+            <a:off x="188641" y="1124448"/>
+            <a:ext cx="6480720" cy="6975944"/>
           </a:xfrm>
           <a:prstGeom prst="roundRect">
             <a:avLst/>
@@ -40750,7 +42189,261 @@
           <a:bodyPr lIns="91435" tIns="45718" rIns="91435" bIns="45718" rtlCol="0" anchor="t"/>
           <a:lstStyle/>
           <a:p>
+            <a:r>
+              <a:rPr lang="es-MX" sz="1200" dirty="0"/>
+              <a:t>#include &lt;</a:t>
+            </a:r>
+            <a:r>
+              <a:rPr lang="es-MX" sz="1200" dirty="0" err="1"/>
+              <a:t>stdio.h</a:t>
+            </a:r>
+            <a:r>
+              <a:rPr lang="es-MX" sz="1200" dirty="0"/>
+              <a:t>&gt;</a:t>
+            </a:r>
+          </a:p>
+          <a:p>
+            <a:r>
+              <a:rPr lang="es-MX" sz="1200" dirty="0"/>
+              <a:t>#include &lt;</a:t>
+            </a:r>
+            <a:r>
+              <a:rPr lang="es-MX" sz="1200" dirty="0" err="1"/>
+              <a:t>process.h</a:t>
+            </a:r>
+            <a:r>
+              <a:rPr lang="es-MX" sz="1200" dirty="0"/>
+              <a:t>&gt;</a:t>
+            </a:r>
+          </a:p>
+          <a:p>
             <a:endParaRPr lang="es-MX" sz="1200" dirty="0"/>
+          </a:p>
+          <a:p>
+            <a:r>
+              <a:rPr lang="es-MX" sz="1200" dirty="0" err="1"/>
+              <a:t>void</a:t>
+            </a:r>
+            <a:r>
+              <a:rPr lang="es-MX" sz="1200" dirty="0"/>
+              <a:t> </a:t>
+            </a:r>
+            <a:r>
+              <a:rPr lang="es-MX" sz="1200" dirty="0" err="1"/>
+              <a:t>main</a:t>
+            </a:r>
+            <a:r>
+              <a:rPr lang="es-MX" sz="1200" dirty="0"/>
+              <a:t>() {</a:t>
+            </a:r>
+          </a:p>
+          <a:p>
+            <a:r>
+              <a:rPr lang="es-MX" sz="1200" dirty="0"/>
+              <a:t>    </a:t>
+            </a:r>
+            <a:r>
+              <a:rPr lang="es-MX" sz="1200" dirty="0" err="1"/>
+              <a:t>int</a:t>
+            </a:r>
+            <a:r>
+              <a:rPr lang="es-MX" sz="1200" dirty="0"/>
+              <a:t> num1, num2,num3,aux,aux2;</a:t>
+            </a:r>
+          </a:p>
+          <a:p>
+            <a:endParaRPr lang="es-MX" sz="1200" dirty="0"/>
+          </a:p>
+          <a:p>
+            <a:r>
+              <a:rPr lang="es-MX" sz="1200"/>
+              <a:t>    printf</a:t>
+            </a:r>
+            <a:r>
+              <a:rPr lang="es-MX" sz="1200" dirty="0"/>
+              <a:t>("Se van a introducir 3 </a:t>
+            </a:r>
+            <a:r>
+              <a:rPr lang="es-MX" sz="1200" dirty="0" err="1"/>
+              <a:t>numeros</a:t>
+            </a:r>
+            <a:r>
+              <a:rPr lang="es-MX" sz="1200" dirty="0"/>
+              <a:t>.\n"</a:t>
+            </a:r>
+          </a:p>
+          <a:p>
+            <a:r>
+              <a:rPr lang="es-MX" sz="1200" dirty="0"/>
+              <a:t>           "Introduce el tuyo:");</a:t>
+            </a:r>
+          </a:p>
+          <a:p>
+            <a:r>
+              <a:rPr lang="es-MX" sz="1200" dirty="0"/>
+              <a:t>    </a:t>
+            </a:r>
+            <a:r>
+              <a:rPr lang="es-MX" sz="1200" dirty="0" err="1"/>
+              <a:t>scanf</a:t>
+            </a:r>
+            <a:r>
+              <a:rPr lang="es-MX" sz="1200" dirty="0"/>
+              <a:t>("%i",&amp;num1);</a:t>
+            </a:r>
+          </a:p>
+          <a:p>
+            <a:r>
+              <a:rPr lang="es-MX" sz="1200"/>
+              <a:t>    printf</a:t>
+            </a:r>
+            <a:r>
+              <a:rPr lang="es-MX" sz="1200" dirty="0"/>
+              <a:t>("Introduce el tuyo:");</a:t>
+            </a:r>
+          </a:p>
+          <a:p>
+            <a:r>
+              <a:rPr lang="es-MX" sz="1200" dirty="0"/>
+              <a:t>    </a:t>
+            </a:r>
+            <a:r>
+              <a:rPr lang="es-MX" sz="1200" dirty="0" err="1"/>
+              <a:t>scanf</a:t>
+            </a:r>
+            <a:r>
+              <a:rPr lang="es-MX" sz="1200" dirty="0"/>
+              <a:t>("%i",&amp;num2);</a:t>
+            </a:r>
+          </a:p>
+          <a:p>
+            <a:r>
+              <a:rPr lang="es-MX" sz="1200"/>
+              <a:t>    printf</a:t>
+            </a:r>
+            <a:r>
+              <a:rPr lang="es-MX" sz="1200" dirty="0"/>
+              <a:t>("Introduce el tuyo:");</a:t>
+            </a:r>
+          </a:p>
+          <a:p>
+            <a:r>
+              <a:rPr lang="es-MX" sz="1200" dirty="0"/>
+              <a:t>    </a:t>
+            </a:r>
+            <a:r>
+              <a:rPr lang="es-MX" sz="1200" dirty="0" err="1"/>
+              <a:t>scanf</a:t>
+            </a:r>
+            <a:r>
+              <a:rPr lang="es-MX" sz="1200" dirty="0"/>
+              <a:t>("%i",&amp;num3);</a:t>
+            </a:r>
+          </a:p>
+          <a:p>
+            <a:r>
+              <a:rPr lang="es-MX" sz="1200" dirty="0"/>
+              <a:t>    </a:t>
+            </a:r>
+            <a:r>
+              <a:rPr lang="es-MX" sz="1200" dirty="0" err="1"/>
+              <a:t>aux</a:t>
+            </a:r>
+            <a:r>
+              <a:rPr lang="es-MX" sz="1200" dirty="0"/>
+              <a:t>=num2-1;</a:t>
+            </a:r>
+          </a:p>
+          <a:p>
+            <a:r>
+              <a:rPr lang="es-MX" sz="1200" dirty="0"/>
+              <a:t>    aux2=num2+1;</a:t>
+            </a:r>
+          </a:p>
+          <a:p>
+            <a:r>
+              <a:rPr lang="es-MX" sz="1200" dirty="0"/>
+              <a:t>    </a:t>
+            </a:r>
+            <a:r>
+              <a:rPr lang="es-MX" sz="1200" dirty="0" err="1"/>
+              <a:t>if</a:t>
+            </a:r>
+            <a:r>
+              <a:rPr lang="es-MX" sz="1200" dirty="0"/>
+              <a:t>((</a:t>
+            </a:r>
+            <a:r>
+              <a:rPr lang="es-MX" sz="1200" dirty="0" err="1"/>
+              <a:t>aux</a:t>
+            </a:r>
+            <a:r>
+              <a:rPr lang="es-MX" sz="1200" dirty="0"/>
+              <a:t>==num1)&amp;&amp;(aux2==num3)){</a:t>
+            </a:r>
+          </a:p>
+          <a:p>
+            <a:r>
+              <a:rPr lang="es-MX" sz="1200"/>
+              <a:t>        printf</a:t>
+            </a:r>
+            <a:r>
+              <a:rPr lang="es-MX" sz="1200" dirty="0"/>
+              <a:t>("Se introdujeron de forma correcta");</a:t>
+            </a:r>
+          </a:p>
+          <a:p>
+            <a:r>
+              <a:rPr lang="es-MX" sz="1200" dirty="0"/>
+              <a:t>    } </a:t>
+            </a:r>
+            <a:r>
+              <a:rPr lang="es-MX" sz="1200" dirty="0" err="1"/>
+              <a:t>else</a:t>
+            </a:r>
+            <a:r>
+              <a:rPr lang="es-MX" sz="1200" dirty="0"/>
+              <a:t>{</a:t>
+            </a:r>
+          </a:p>
+          <a:p>
+            <a:r>
+              <a:rPr lang="es-MX" sz="1200"/>
+              <a:t>        printf</a:t>
+            </a:r>
+            <a:r>
+              <a:rPr lang="es-MX" sz="1200" dirty="0"/>
+              <a:t>("Error. Introducidos de forma incorrecta");</a:t>
+            </a:r>
+          </a:p>
+          <a:p>
+            <a:r>
+              <a:rPr lang="es-MX" sz="1200" dirty="0"/>
+              <a:t>    }</a:t>
+            </a:r>
+          </a:p>
+          <a:p>
+            <a:endParaRPr lang="es-MX" sz="1200" dirty="0"/>
+          </a:p>
+          <a:p>
+            <a:r>
+              <a:rPr lang="es-MX" sz="1200" dirty="0"/>
+              <a:t>    </a:t>
+            </a:r>
+            <a:r>
+              <a:rPr lang="es-MX" sz="1200" dirty="0" err="1"/>
+              <a:t>system</a:t>
+            </a:r>
+            <a:r>
+              <a:rPr lang="es-MX" sz="1200" dirty="0"/>
+              <a:t>("PAUSE");</a:t>
+            </a:r>
+          </a:p>
+          <a:p>
+            <a:r>
+              <a:rPr lang="es-MX" sz="1200" dirty="0"/>
+              <a:t>}</a:t>
+            </a:r>
           </a:p>
         </p:txBody>
       </p:sp>
@@ -40988,51 +42681,66 @@
           </a:p>
         </p:txBody>
       </p:sp>
-      <p:sp>
-        <p:nvSpPr>
-          <p:cNvPr id="14" name="13 Rectángulo redondeado"/>
-          <p:cNvSpPr/>
+      <p:pic>
+        <p:nvPicPr>
+          <p:cNvPr id="5" name="Imagen 4">
+            <a:extLst>
+              <a:ext uri="{FF2B5EF4-FFF2-40B4-BE49-F238E27FC236}">
+                <a16:creationId xmlns:a16="http://schemas.microsoft.com/office/drawing/2014/main" id="{528DFDAF-D7E5-4A99-1816-47F4485468F1}"/>
+              </a:ext>
+            </a:extLst>
+          </p:cNvPr>
+          <p:cNvPicPr>
+            <a:picLocks noChangeAspect="1"/>
+          </p:cNvPicPr>
           <p:nvPr/>
-        </p:nvSpPr>
+        </p:nvPicPr>
+        <p:blipFill>
+          <a:blip r:embed="rId7"/>
+          <a:stretch>
+            <a:fillRect/>
+          </a:stretch>
+        </p:blipFill>
         <p:spPr>
           <a:xfrm>
-            <a:off x="3645024" y="1403648"/>
-            <a:ext cx="2952328" cy="6624736"/>
+            <a:off x="781289" y="6462147"/>
+            <a:ext cx="2775641" cy="1020236"/>
           </a:xfrm>
-          <a:prstGeom prst="roundRect">
+          <a:prstGeom prst="rect">
             <a:avLst/>
           </a:prstGeom>
-          <a:effectLst>
-            <a:glow rad="228600">
-              <a:schemeClr val="accent4">
-                <a:satMod val="175000"/>
-                <a:alpha val="40000"/>
-              </a:schemeClr>
-            </a:glow>
-          </a:effectLst>
         </p:spPr>
-        <p:style>
-          <a:lnRef idx="2">
-            <a:schemeClr val="accent4"/>
-          </a:lnRef>
-          <a:fillRef idx="1">
-            <a:schemeClr val="lt1"/>
-          </a:fillRef>
-          <a:effectRef idx="0">
-            <a:schemeClr val="accent4"/>
-          </a:effectRef>
-          <a:fontRef idx="minor">
-            <a:schemeClr val="dk1"/>
-          </a:fontRef>
-        </p:style>
-        <p:txBody>
-          <a:bodyPr lIns="91435" tIns="45718" rIns="91435" bIns="45718" rtlCol="0" anchor="t"/>
-          <a:lstStyle/>
-          <a:p>
-            <a:endParaRPr lang="es-MX" sz="1200" dirty="0"/>
-          </a:p>
-        </p:txBody>
-      </p:sp>
+      </p:pic>
+      <p:pic>
+        <p:nvPicPr>
+          <p:cNvPr id="8" name="Imagen 7">
+            <a:extLst>
+              <a:ext uri="{FF2B5EF4-FFF2-40B4-BE49-F238E27FC236}">
+                <a16:creationId xmlns:a16="http://schemas.microsoft.com/office/drawing/2014/main" id="{16A41AB5-8670-D76A-D979-AA09C970D9F9}"/>
+              </a:ext>
+            </a:extLst>
+          </p:cNvPr>
+          <p:cNvPicPr>
+            <a:picLocks noChangeAspect="1"/>
+          </p:cNvPicPr>
+          <p:nvPr/>
+        </p:nvPicPr>
+        <p:blipFill>
+          <a:blip r:embed="rId8"/>
+          <a:stretch>
+            <a:fillRect/>
+          </a:stretch>
+        </p:blipFill>
+        <p:spPr>
+          <a:xfrm>
+            <a:off x="3668269" y="6466563"/>
+            <a:ext cx="2750862" cy="1020237"/>
+          </a:xfrm>
+          <a:prstGeom prst="rect">
+            <a:avLst/>
+          </a:prstGeom>
+        </p:spPr>
+      </p:pic>
     </p:spTree>
     <p:extLst>
       <p:ext uri="{BB962C8B-B14F-4D97-AF65-F5344CB8AC3E}">
@@ -41185,8 +42893,8 @@
         </p:nvSpPr>
         <p:spPr>
           <a:xfrm>
-            <a:off x="404664" y="3611895"/>
-            <a:ext cx="1321952" cy="1344149"/>
+            <a:off x="425008" y="3474150"/>
+            <a:ext cx="1321952" cy="474676"/>
           </a:xfrm>
           <a:prstGeom prst="roundRect">
             <a:avLst/>
@@ -41234,8 +42942,8 @@
         </p:nvSpPr>
         <p:spPr>
           <a:xfrm>
-            <a:off x="1988839" y="3611895"/>
-            <a:ext cx="4464497" cy="1344149"/>
+            <a:off x="1968495" y="3471849"/>
+            <a:ext cx="4464497" cy="417793"/>
           </a:xfrm>
           <a:prstGeom prst="roundRect">
             <a:avLst/>
@@ -41259,7 +42967,14 @@
           <a:bodyPr lIns="91435" tIns="45718" rIns="91435" bIns="45718" rtlCol="0" anchor="ctr"/>
           <a:lstStyle/>
           <a:p>
-            <a:endParaRPr lang="es-MX" dirty="0"/>
+            <a:r>
+              <a:rPr lang="es-MX" dirty="0">
+                <a:solidFill>
+                  <a:schemeClr val="tx1"/>
+                </a:solidFill>
+              </a:rPr>
+              <a:t>num1,num2,num3</a:t>
+            </a:r>
           </a:p>
         </p:txBody>
       </p:sp>
@@ -41271,8 +42986,8 @@
         </p:nvSpPr>
         <p:spPr>
           <a:xfrm>
-            <a:off x="404664" y="5159244"/>
-            <a:ext cx="1321952" cy="1344149"/>
+            <a:off x="404664" y="4084009"/>
+            <a:ext cx="1321952" cy="2661611"/>
           </a:xfrm>
           <a:prstGeom prst="roundRect">
             <a:avLst/>
@@ -41320,8 +43035,8 @@
         </p:nvSpPr>
         <p:spPr>
           <a:xfrm>
-            <a:off x="1988839" y="5159244"/>
-            <a:ext cx="4464498" cy="1344149"/>
+            <a:off x="1988839" y="4007116"/>
+            <a:ext cx="4464498" cy="2869140"/>
           </a:xfrm>
           <a:prstGeom prst="roundRect">
             <a:avLst/>
@@ -41345,7 +43060,94 @@
           <a:bodyPr lIns="91435" tIns="45718" rIns="91435" bIns="45718" rtlCol="0" anchor="ctr"/>
           <a:lstStyle/>
           <a:p>
-            <a:endParaRPr lang="es-MX" dirty="0"/>
+            <a:r>
+              <a:rPr lang="es-MX" sz="1400" dirty="0">
+                <a:solidFill>
+                  <a:schemeClr val="tx1"/>
+                </a:solidFill>
+              </a:rPr>
+              <a:t> Si((num1&gt;num2) y (num1&gt;num3)){</a:t>
+            </a:r>
+          </a:p>
+          <a:p>
+            <a:r>
+              <a:rPr lang="es-MX" sz="1400" dirty="0">
+                <a:solidFill>
+                  <a:schemeClr val="tx1"/>
+                </a:solidFill>
+              </a:rPr>
+              <a:t>        Imprime ("El mejor promedio  se lleva el premio",num1)</a:t>
+            </a:r>
+          </a:p>
+          <a:p>
+            <a:r>
+              <a:rPr lang="es-MX" sz="1400" dirty="0">
+                <a:solidFill>
+                  <a:schemeClr val="tx1"/>
+                </a:solidFill>
+              </a:rPr>
+              <a:t>    }</a:t>
+            </a:r>
+          </a:p>
+          <a:p>
+            <a:r>
+              <a:rPr lang="es-MX" sz="1400" dirty="0">
+                <a:solidFill>
+                  <a:schemeClr val="tx1"/>
+                </a:solidFill>
+              </a:rPr>
+              <a:t>    Si((num2&gt;num1) y (num2&gt;num3)){</a:t>
+            </a:r>
+          </a:p>
+          <a:p>
+            <a:r>
+              <a:rPr lang="es-MX" sz="1400" dirty="0">
+                <a:solidFill>
+                  <a:schemeClr val="tx1"/>
+                </a:solidFill>
+              </a:rPr>
+              <a:t>        Imprime ("El mejor promedio  se lleva el premio",num2)</a:t>
+            </a:r>
+          </a:p>
+          <a:p>
+            <a:r>
+              <a:rPr lang="es-MX" sz="1400" dirty="0">
+                <a:solidFill>
+                  <a:schemeClr val="tx1"/>
+                </a:solidFill>
+              </a:rPr>
+              <a:t>    }</a:t>
+            </a:r>
+          </a:p>
+          <a:p>
+            <a:r>
+              <a:rPr lang="es-MX" sz="1400" dirty="0">
+                <a:solidFill>
+                  <a:schemeClr val="tx1"/>
+                </a:solidFill>
+              </a:rPr>
+              <a:t>    Si((num3&gt;num2) y (num3&gt;num1)){</a:t>
+            </a:r>
+          </a:p>
+          <a:p>
+            <a:r>
+              <a:rPr lang="es-MX" sz="1400" dirty="0">
+                <a:solidFill>
+                  <a:schemeClr val="tx1"/>
+                </a:solidFill>
+              </a:rPr>
+              <a:t>        Imprime ("El mejor promedio  se lleva el premio",num3)</a:t>
+            </a:r>
+          </a:p>
+          <a:p>
+            <a:r>
+              <a:rPr lang="es-MX" sz="1400" dirty="0">
+                <a:solidFill>
+                  <a:schemeClr val="tx1"/>
+                </a:solidFill>
+              </a:rPr>
+              <a:t>    }</a:t>
+            </a:r>
           </a:p>
         </p:txBody>
       </p:sp>
@@ -41357,8 +43159,8 @@
         </p:nvSpPr>
         <p:spPr>
           <a:xfrm>
-            <a:off x="430472" y="6706592"/>
-            <a:ext cx="1296144" cy="1344149"/>
+            <a:off x="430472" y="6973162"/>
+            <a:ext cx="1296144" cy="1077579"/>
           </a:xfrm>
           <a:prstGeom prst="roundRect">
             <a:avLst/>
@@ -41406,8 +43208,8 @@
         </p:nvSpPr>
         <p:spPr>
           <a:xfrm>
-            <a:off x="1988838" y="6706592"/>
-            <a:ext cx="4490305" cy="1344149"/>
+            <a:off x="1988838" y="6973162"/>
+            <a:ext cx="4490305" cy="1378990"/>
           </a:xfrm>
           <a:prstGeom prst="roundRect">
             <a:avLst/>
@@ -41431,7 +43233,43 @@
           <a:bodyPr lIns="91435" tIns="45718" rIns="91435" bIns="45718" rtlCol="0" anchor="ctr"/>
           <a:lstStyle/>
           <a:p>
-            <a:endParaRPr lang="es-MX" dirty="0"/>
+            <a:r>
+              <a:rPr lang="es-MX" sz="1400" dirty="0">
+                <a:solidFill>
+                  <a:schemeClr val="tx1"/>
+                </a:solidFill>
+              </a:rPr>
+              <a:t>Imprime "El mejor promedio  se lleva el Imprime",num3 o </a:t>
+            </a:r>
+            <a:r>
+              <a:rPr lang="es-MX" sz="1400" dirty="0" err="1">
+                <a:solidFill>
+                  <a:schemeClr val="tx1"/>
+                </a:solidFill>
+              </a:rPr>
+              <a:t>print</a:t>
+            </a:r>
+            <a:r>
+              <a:rPr lang="es-MX" sz="1400" dirty="0">
+                <a:solidFill>
+                  <a:schemeClr val="tx1"/>
+                </a:solidFill>
+              </a:rPr>
+              <a:t> "El mejor promedio  se lleva el premio",num2 o</a:t>
+            </a:r>
+          </a:p>
+          <a:p>
+            <a:r>
+              <a:rPr lang="es-MX" sz="1400" dirty="0">
+                <a:solidFill>
+                  <a:schemeClr val="tx1"/>
+                </a:solidFill>
+              </a:rPr>
+              <a:t>Imprime "El mejor promedio  se lleva el premio",num1</a:t>
+            </a:r>
+          </a:p>
+          <a:p>
+            <a:endParaRPr lang="es-MX" sz="1400" dirty="0"/>
           </a:p>
         </p:txBody>
       </p:sp>

--- a/PowerPoitnProgram/PIF 24-27.pptx
+++ b/PowerPoitnProgram/PIF 24-27.pptx
@@ -30621,7 +30621,7 @@
           <a:p>
             <a:fld id="{A27BCCA2-F8DB-4880-AD4B-017DBA8BC60F}" type="datetimeFigureOut">
               <a:rPr lang="es-MX" smtClean="0"/>
-              <a:t>28/02/2024</a:t>
+              <a:t>01/03/2024</a:t>
             </a:fld>
             <a:endParaRPr lang="es-MX"/>
           </a:p>
@@ -30780,7 +30780,7 @@
           <a:p>
             <a:fld id="{4B5FF26D-C1CF-4EE2-825C-2632CCBDF178}" type="slidenum">
               <a:rPr lang="es-MX" smtClean="0"/>
-              <a:t>‹Nº›</a:t>
+              <a:t>‹#›</a:t>
             </a:fld>
             <a:endParaRPr lang="es-MX"/>
           </a:p>
@@ -31155,7 +31155,7 @@
             <a:fld id="{35CD4824-21C5-40F0-ACC2-517FBE4637A7}" type="datetimeFigureOut">
               <a:rPr lang="es-MX" smtClean="0"/>
               <a:pPr/>
-              <a:t>28/02/2024</a:t>
+              <a:t>01/03/2024</a:t>
             </a:fld>
             <a:endParaRPr lang="es-MX"/>
           </a:p>
@@ -31198,7 +31198,7 @@
             <a:fld id="{3109AF80-D803-4371-B9F1-B9ABBE55B9B4}" type="slidenum">
               <a:rPr lang="es-MX" smtClean="0"/>
               <a:pPr/>
-              <a:t>‹Nº›</a:t>
+              <a:t>‹#›</a:t>
             </a:fld>
             <a:endParaRPr lang="es-MX"/>
           </a:p>
@@ -31327,7 +31327,7 @@
             <a:fld id="{35CD4824-21C5-40F0-ACC2-517FBE4637A7}" type="datetimeFigureOut">
               <a:rPr lang="es-MX" smtClean="0"/>
               <a:pPr/>
-              <a:t>28/02/2024</a:t>
+              <a:t>01/03/2024</a:t>
             </a:fld>
             <a:endParaRPr lang="es-MX"/>
           </a:p>
@@ -31370,7 +31370,7 @@
             <a:fld id="{3109AF80-D803-4371-B9F1-B9ABBE55B9B4}" type="slidenum">
               <a:rPr lang="es-MX" smtClean="0"/>
               <a:pPr/>
-              <a:t>‹Nº›</a:t>
+              <a:t>‹#›</a:t>
             </a:fld>
             <a:endParaRPr lang="es-MX"/>
           </a:p>
@@ -31509,7 +31509,7 @@
             <a:fld id="{35CD4824-21C5-40F0-ACC2-517FBE4637A7}" type="datetimeFigureOut">
               <a:rPr lang="es-MX" smtClean="0"/>
               <a:pPr/>
-              <a:t>28/02/2024</a:t>
+              <a:t>01/03/2024</a:t>
             </a:fld>
             <a:endParaRPr lang="es-MX"/>
           </a:p>
@@ -31552,7 +31552,7 @@
             <a:fld id="{3109AF80-D803-4371-B9F1-B9ABBE55B9B4}" type="slidenum">
               <a:rPr lang="es-MX" smtClean="0"/>
               <a:pPr/>
-              <a:t>‹Nº›</a:t>
+              <a:t>‹#›</a:t>
             </a:fld>
             <a:endParaRPr lang="es-MX"/>
           </a:p>
@@ -31681,7 +31681,7 @@
             <a:fld id="{35CD4824-21C5-40F0-ACC2-517FBE4637A7}" type="datetimeFigureOut">
               <a:rPr lang="es-MX" smtClean="0"/>
               <a:pPr/>
-              <a:t>28/02/2024</a:t>
+              <a:t>01/03/2024</a:t>
             </a:fld>
             <a:endParaRPr lang="es-MX"/>
           </a:p>
@@ -31724,7 +31724,7 @@
             <a:fld id="{3109AF80-D803-4371-B9F1-B9ABBE55B9B4}" type="slidenum">
               <a:rPr lang="es-MX" smtClean="0"/>
               <a:pPr/>
-              <a:t>‹Nº›</a:t>
+              <a:t>‹#›</a:t>
             </a:fld>
             <a:endParaRPr lang="es-MX"/>
           </a:p>
@@ -31929,7 +31929,7 @@
             <a:fld id="{35CD4824-21C5-40F0-ACC2-517FBE4637A7}" type="datetimeFigureOut">
               <a:rPr lang="es-MX" smtClean="0"/>
               <a:pPr/>
-              <a:t>28/02/2024</a:t>
+              <a:t>01/03/2024</a:t>
             </a:fld>
             <a:endParaRPr lang="es-MX"/>
           </a:p>
@@ -31972,7 +31972,7 @@
             <a:fld id="{3109AF80-D803-4371-B9F1-B9ABBE55B9B4}" type="slidenum">
               <a:rPr lang="es-MX" smtClean="0"/>
               <a:pPr/>
-              <a:t>‹Nº›</a:t>
+              <a:t>‹#›</a:t>
             </a:fld>
             <a:endParaRPr lang="es-MX"/>
           </a:p>
@@ -32219,7 +32219,7 @@
             <a:fld id="{35CD4824-21C5-40F0-ACC2-517FBE4637A7}" type="datetimeFigureOut">
               <a:rPr lang="es-MX" smtClean="0"/>
               <a:pPr/>
-              <a:t>28/02/2024</a:t>
+              <a:t>01/03/2024</a:t>
             </a:fld>
             <a:endParaRPr lang="es-MX"/>
           </a:p>
@@ -32262,7 +32262,7 @@
             <a:fld id="{3109AF80-D803-4371-B9F1-B9ABBE55B9B4}" type="slidenum">
               <a:rPr lang="es-MX" smtClean="0"/>
               <a:pPr/>
-              <a:t>‹Nº›</a:t>
+              <a:t>‹#›</a:t>
             </a:fld>
             <a:endParaRPr lang="es-MX"/>
           </a:p>
@@ -32643,7 +32643,7 @@
             <a:fld id="{35CD4824-21C5-40F0-ACC2-517FBE4637A7}" type="datetimeFigureOut">
               <a:rPr lang="es-MX" smtClean="0"/>
               <a:pPr/>
-              <a:t>28/02/2024</a:t>
+              <a:t>01/03/2024</a:t>
             </a:fld>
             <a:endParaRPr lang="es-MX"/>
           </a:p>
@@ -32686,7 +32686,7 @@
             <a:fld id="{3109AF80-D803-4371-B9F1-B9ABBE55B9B4}" type="slidenum">
               <a:rPr lang="es-MX" smtClean="0"/>
               <a:pPr/>
-              <a:t>‹Nº›</a:t>
+              <a:t>‹#›</a:t>
             </a:fld>
             <a:endParaRPr lang="es-MX"/>
           </a:p>
@@ -32763,7 +32763,7 @@
             <a:fld id="{35CD4824-21C5-40F0-ACC2-517FBE4637A7}" type="datetimeFigureOut">
               <a:rPr lang="es-MX" smtClean="0"/>
               <a:pPr/>
-              <a:t>28/02/2024</a:t>
+              <a:t>01/03/2024</a:t>
             </a:fld>
             <a:endParaRPr lang="es-MX"/>
           </a:p>
@@ -32806,7 +32806,7 @@
             <a:fld id="{3109AF80-D803-4371-B9F1-B9ABBE55B9B4}" type="slidenum">
               <a:rPr lang="es-MX" smtClean="0"/>
               <a:pPr/>
-              <a:t>‹Nº›</a:t>
+              <a:t>‹#›</a:t>
             </a:fld>
             <a:endParaRPr lang="es-MX"/>
           </a:p>
@@ -32860,7 +32860,7 @@
             <a:fld id="{35CD4824-21C5-40F0-ACC2-517FBE4637A7}" type="datetimeFigureOut">
               <a:rPr lang="es-MX" smtClean="0"/>
               <a:pPr/>
-              <a:t>28/02/2024</a:t>
+              <a:t>01/03/2024</a:t>
             </a:fld>
             <a:endParaRPr lang="es-MX"/>
           </a:p>
@@ -32903,7 +32903,7 @@
             <a:fld id="{3109AF80-D803-4371-B9F1-B9ABBE55B9B4}" type="slidenum">
               <a:rPr lang="es-MX" smtClean="0"/>
               <a:pPr/>
-              <a:t>‹Nº›</a:t>
+              <a:t>‹#›</a:t>
             </a:fld>
             <a:endParaRPr lang="es-MX"/>
           </a:p>
@@ -33139,7 +33139,7 @@
             <a:fld id="{35CD4824-21C5-40F0-ACC2-517FBE4637A7}" type="datetimeFigureOut">
               <a:rPr lang="es-MX" smtClean="0"/>
               <a:pPr/>
-              <a:t>28/02/2024</a:t>
+              <a:t>01/03/2024</a:t>
             </a:fld>
             <a:endParaRPr lang="es-MX"/>
           </a:p>
@@ -33182,7 +33182,7 @@
             <a:fld id="{3109AF80-D803-4371-B9F1-B9ABBE55B9B4}" type="slidenum">
               <a:rPr lang="es-MX" smtClean="0"/>
               <a:pPr/>
-              <a:t>‹Nº›</a:t>
+              <a:t>‹#›</a:t>
             </a:fld>
             <a:endParaRPr lang="es-MX"/>
           </a:p>
@@ -33394,7 +33394,7 @@
             <a:fld id="{35CD4824-21C5-40F0-ACC2-517FBE4637A7}" type="datetimeFigureOut">
               <a:rPr lang="es-MX" smtClean="0"/>
               <a:pPr/>
-              <a:t>28/02/2024</a:t>
+              <a:t>01/03/2024</a:t>
             </a:fld>
             <a:endParaRPr lang="es-MX"/>
           </a:p>
@@ -33437,7 +33437,7 @@
             <a:fld id="{3109AF80-D803-4371-B9F1-B9ABBE55B9B4}" type="slidenum">
               <a:rPr lang="es-MX" smtClean="0"/>
               <a:pPr/>
-              <a:t>‹Nº›</a:t>
+              <a:t>‹#›</a:t>
             </a:fld>
             <a:endParaRPr lang="es-MX"/>
           </a:p>
@@ -33618,7 +33618,7 @@
             <a:fld id="{35CD4824-21C5-40F0-ACC2-517FBE4637A7}" type="datetimeFigureOut">
               <a:rPr lang="es-MX" smtClean="0"/>
               <a:pPr/>
-              <a:t>28/02/2024</a:t>
+              <a:t>01/03/2024</a:t>
             </a:fld>
             <a:endParaRPr lang="es-MX"/>
           </a:p>
@@ -33697,7 +33697,7 @@
             <a:fld id="{3109AF80-D803-4371-B9F1-B9ABBE55B9B4}" type="slidenum">
               <a:rPr lang="es-MX" smtClean="0"/>
               <a:pPr/>
-              <a:t>‹Nº›</a:t>
+              <a:t>‹#›</a:t>
             </a:fld>
             <a:endParaRPr lang="es-MX"/>
           </a:p>
@@ -35179,6 +35179,66 @@
           </a:p>
         </p:txBody>
       </p:sp>
+      <p:pic>
+        <p:nvPicPr>
+          <p:cNvPr id="5" name="Picture 4">
+            <a:extLst>
+              <a:ext uri="{FF2B5EF4-FFF2-40B4-BE49-F238E27FC236}">
+                <a16:creationId xmlns:a16="http://schemas.microsoft.com/office/drawing/2014/main" id="{AEA81CA0-9FAF-5865-3232-718B5A7A4F5F}"/>
+              </a:ext>
+            </a:extLst>
+          </p:cNvPr>
+          <p:cNvPicPr>
+            <a:picLocks noChangeAspect="1"/>
+          </p:cNvPicPr>
+          <p:nvPr/>
+        </p:nvPicPr>
+        <p:blipFill>
+          <a:blip r:embed="rId7"/>
+          <a:stretch>
+            <a:fillRect/>
+          </a:stretch>
+        </p:blipFill>
+        <p:spPr>
+          <a:xfrm>
+            <a:off x="4030429" y="2248217"/>
+            <a:ext cx="2253526" cy="4777475"/>
+          </a:xfrm>
+          <a:prstGeom prst="rect">
+            <a:avLst/>
+          </a:prstGeom>
+        </p:spPr>
+      </p:pic>
+      <p:pic>
+        <p:nvPicPr>
+          <p:cNvPr id="8" name="Picture 7">
+            <a:extLst>
+              <a:ext uri="{FF2B5EF4-FFF2-40B4-BE49-F238E27FC236}">
+                <a16:creationId xmlns:a16="http://schemas.microsoft.com/office/drawing/2014/main" id="{A98C1D0B-9DD9-5056-4AEC-64EC0B269032}"/>
+              </a:ext>
+            </a:extLst>
+          </p:cNvPr>
+          <p:cNvPicPr>
+            <a:picLocks noChangeAspect="1"/>
+          </p:cNvPicPr>
+          <p:nvPr/>
+        </p:nvPicPr>
+        <p:blipFill>
+          <a:blip r:embed="rId8"/>
+          <a:stretch>
+            <a:fillRect/>
+          </a:stretch>
+        </p:blipFill>
+        <p:spPr>
+          <a:xfrm>
+            <a:off x="3727785" y="7301685"/>
+            <a:ext cx="2941575" cy="1417443"/>
+          </a:xfrm>
+          <a:prstGeom prst="rect">
+            <a:avLst/>
+          </a:prstGeom>
+        </p:spPr>
+      </p:pic>
     </p:spTree>
     <p:extLst>
       <p:ext uri="{BB962C8B-B14F-4D97-AF65-F5344CB8AC3E}">
@@ -35365,8 +35425,12 @@
           </a:p>
           <a:p>
             <a:r>
-              <a:rPr lang="es-MX" sz="1200"/>
-              <a:t>    printf</a:t>
+              <a:rPr lang="es-MX" sz="1200" dirty="0"/>
+              <a:t>    </a:t>
+            </a:r>
+            <a:r>
+              <a:rPr lang="es-MX" sz="1200" dirty="0" err="1"/>
+              <a:t>printf</a:t>
             </a:r>
             <a:r>
               <a:rPr lang="es-MX" sz="1200" dirty="0"/>
@@ -35375,8 +35439,12 @@
           </a:p>
           <a:p>
             <a:r>
-              <a:rPr lang="es-MX" sz="1200"/>
-              <a:t>    printf</a:t>
+              <a:rPr lang="es-MX" sz="1200" dirty="0"/>
+              <a:t>    </a:t>
+            </a:r>
+            <a:r>
+              <a:rPr lang="es-MX" sz="1200" dirty="0" err="1"/>
+              <a:t>printf</a:t>
             </a:r>
             <a:r>
               <a:rPr lang="es-MX" sz="1200" dirty="0"/>
@@ -35399,8 +35467,12 @@
           </a:p>
           <a:p>
             <a:r>
-              <a:rPr lang="es-MX" sz="1200"/>
-              <a:t>    printf</a:t>
+              <a:rPr lang="es-MX" sz="1200" dirty="0"/>
+              <a:t>    </a:t>
+            </a:r>
+            <a:r>
+              <a:rPr lang="es-MX" sz="1200" dirty="0" err="1"/>
+              <a:t>printf</a:t>
             </a:r>
             <a:r>
               <a:rPr lang="es-MX" sz="1200" dirty="0"/>
@@ -35423,8 +35495,12 @@
           </a:p>
           <a:p>
             <a:r>
-              <a:rPr lang="es-MX" sz="1200"/>
-              <a:t>    printf</a:t>
+              <a:rPr lang="es-MX" sz="1200" dirty="0"/>
+              <a:t>    </a:t>
+            </a:r>
+            <a:r>
+              <a:rPr lang="es-MX" sz="1200" dirty="0" err="1"/>
+              <a:t>printf</a:t>
             </a:r>
             <a:r>
               <a:rPr lang="es-MX" sz="1200" dirty="0"/>
@@ -35464,8 +35540,12 @@
           </a:p>
           <a:p>
             <a:r>
-              <a:rPr lang="es-MX" sz="1200"/>
-              <a:t>        printf</a:t>
+              <a:rPr lang="es-MX" sz="1200" dirty="0"/>
+              <a:t>        </a:t>
+            </a:r>
+            <a:r>
+              <a:rPr lang="es-MX" sz="1200" dirty="0" err="1"/>
+              <a:t>printf</a:t>
             </a:r>
             <a:r>
               <a:rPr lang="es-MX" sz="1200" dirty="0"/>
@@ -35494,8 +35574,12 @@
           </a:p>
           <a:p>
             <a:r>
-              <a:rPr lang="es-MX" sz="1200"/>
-              <a:t>        printf</a:t>
+              <a:rPr lang="es-MX" sz="1200" dirty="0"/>
+              <a:t>        </a:t>
+            </a:r>
+            <a:r>
+              <a:rPr lang="es-MX" sz="1200" dirty="0" err="1"/>
+              <a:t>printf</a:t>
             </a:r>
             <a:r>
               <a:rPr lang="es-MX" sz="1200" dirty="0"/>
@@ -35524,8 +35608,12 @@
           </a:p>
           <a:p>
             <a:r>
-              <a:rPr lang="es-MX" sz="1200"/>
-              <a:t>        printf</a:t>
+              <a:rPr lang="es-MX" sz="1200" dirty="0"/>
+              <a:t>        </a:t>
+            </a:r>
+            <a:r>
+              <a:rPr lang="es-MX" sz="1200" dirty="0" err="1"/>
+              <a:t>printf</a:t>
             </a:r>
             <a:r>
               <a:rPr lang="es-MX" sz="1200" dirty="0"/>
@@ -37456,6 +37544,66 @@
           </a:p>
         </p:txBody>
       </p:sp>
+      <p:pic>
+        <p:nvPicPr>
+          <p:cNvPr id="5" name="Picture 4">
+            <a:extLst>
+              <a:ext uri="{FF2B5EF4-FFF2-40B4-BE49-F238E27FC236}">
+                <a16:creationId xmlns:a16="http://schemas.microsoft.com/office/drawing/2014/main" id="{532D3611-BB76-A1E4-195C-544250918881}"/>
+              </a:ext>
+            </a:extLst>
+          </p:cNvPr>
+          <p:cNvPicPr>
+            <a:picLocks noChangeAspect="1"/>
+          </p:cNvPicPr>
+          <p:nvPr/>
+        </p:nvPicPr>
+        <p:blipFill>
+          <a:blip r:embed="rId7"/>
+          <a:stretch>
+            <a:fillRect/>
+          </a:stretch>
+        </p:blipFill>
+        <p:spPr>
+          <a:xfrm>
+            <a:off x="4190506" y="2336005"/>
+            <a:ext cx="2167392" cy="5086857"/>
+          </a:xfrm>
+          <a:prstGeom prst="rect">
+            <a:avLst/>
+          </a:prstGeom>
+        </p:spPr>
+      </p:pic>
+      <p:pic>
+        <p:nvPicPr>
+          <p:cNvPr id="8" name="Picture 7">
+            <a:extLst>
+              <a:ext uri="{FF2B5EF4-FFF2-40B4-BE49-F238E27FC236}">
+                <a16:creationId xmlns:a16="http://schemas.microsoft.com/office/drawing/2014/main" id="{0974E84F-CF08-A1A2-9BDE-E1069EAF9894}"/>
+              </a:ext>
+            </a:extLst>
+          </p:cNvPr>
+          <p:cNvPicPr>
+            <a:picLocks noChangeAspect="1"/>
+          </p:cNvPicPr>
+          <p:nvPr/>
+        </p:nvPicPr>
+        <p:blipFill>
+          <a:blip r:embed="rId8"/>
+          <a:stretch>
+            <a:fillRect/>
+          </a:stretch>
+        </p:blipFill>
+        <p:spPr>
+          <a:xfrm>
+            <a:off x="2813532" y="6858893"/>
+            <a:ext cx="1885914" cy="1779860"/>
+          </a:xfrm>
+          <a:prstGeom prst="rect">
+            <a:avLst/>
+          </a:prstGeom>
+        </p:spPr>
+      </p:pic>
     </p:spTree>
     <p:extLst>
       <p:ext uri="{BB962C8B-B14F-4D97-AF65-F5344CB8AC3E}">
@@ -39975,6 +40123,66 @@
           </a:p>
         </p:txBody>
       </p:sp>
+      <p:pic>
+        <p:nvPicPr>
+          <p:cNvPr id="4" name="Picture 3">
+            <a:extLst>
+              <a:ext uri="{FF2B5EF4-FFF2-40B4-BE49-F238E27FC236}">
+                <a16:creationId xmlns:a16="http://schemas.microsoft.com/office/drawing/2014/main" id="{4F553EC3-DB1C-FBA8-E34D-762635A8B724}"/>
+              </a:ext>
+            </a:extLst>
+          </p:cNvPr>
+          <p:cNvPicPr>
+            <a:picLocks noChangeAspect="1"/>
+          </p:cNvPicPr>
+          <p:nvPr/>
+        </p:nvPicPr>
+        <p:blipFill>
+          <a:blip r:embed="rId7"/>
+          <a:stretch>
+            <a:fillRect/>
+          </a:stretch>
+        </p:blipFill>
+        <p:spPr>
+          <a:xfrm>
+            <a:off x="260648" y="1855864"/>
+            <a:ext cx="6172735" cy="3551228"/>
+          </a:xfrm>
+          <a:prstGeom prst="rect">
+            <a:avLst/>
+          </a:prstGeom>
+        </p:spPr>
+      </p:pic>
+      <p:pic>
+        <p:nvPicPr>
+          <p:cNvPr id="6" name="Picture 5">
+            <a:extLst>
+              <a:ext uri="{FF2B5EF4-FFF2-40B4-BE49-F238E27FC236}">
+                <a16:creationId xmlns:a16="http://schemas.microsoft.com/office/drawing/2014/main" id="{52F79DBE-D52C-097D-B35F-74EFF0926F2A}"/>
+              </a:ext>
+            </a:extLst>
+          </p:cNvPr>
+          <p:cNvPicPr>
+            <a:picLocks noChangeAspect="1"/>
+          </p:cNvPicPr>
+          <p:nvPr/>
+        </p:nvPicPr>
+        <p:blipFill>
+          <a:blip r:embed="rId8"/>
+          <a:stretch>
+            <a:fillRect/>
+          </a:stretch>
+        </p:blipFill>
+        <p:spPr>
+          <a:xfrm>
+            <a:off x="1349874" y="5451488"/>
+            <a:ext cx="3147333" cy="3421677"/>
+          </a:xfrm>
+          <a:prstGeom prst="rect">
+            <a:avLst/>
+          </a:prstGeom>
+        </p:spPr>
+      </p:pic>
     </p:spTree>
     <p:extLst>
       <p:ext uri="{BB962C8B-B14F-4D97-AF65-F5344CB8AC3E}">
@@ -42053,6 +42261,65 @@
           </a:p>
         </p:txBody>
       </p:sp>
+      <p:pic>
+        <p:nvPicPr>
+          <p:cNvPr id="5" name="Picture 4">
+            <a:extLst>
+              <a:ext uri="{FF2B5EF4-FFF2-40B4-BE49-F238E27FC236}">
+                <a16:creationId xmlns:a16="http://schemas.microsoft.com/office/drawing/2014/main" id="{9F266757-7559-C05B-A1D5-80D8DB4E0ADA}"/>
+              </a:ext>
+            </a:extLst>
+          </p:cNvPr>
+          <p:cNvPicPr>
+            <a:picLocks noChangeAspect="1"/>
+          </p:cNvPicPr>
+          <p:nvPr/>
+        </p:nvPicPr>
+        <p:blipFill>
+          <a:blip r:embed="rId7"/>
+          <a:stretch>
+            <a:fillRect/>
+          </a:stretch>
+        </p:blipFill>
+        <p:spPr>
+          <a:xfrm>
+            <a:off x="4121641" y="2300221"/>
+            <a:ext cx="2305121" cy="3812515"/>
+          </a:xfrm>
+          <a:prstGeom prst="rect">
+            <a:avLst/>
+          </a:prstGeom>
+        </p:spPr>
+      </p:pic>
+      <p:pic>
+        <p:nvPicPr>
+          <p:cNvPr id="8" name="Picture 7">
+            <a:extLst>
+              <a:ext uri="{FF2B5EF4-FFF2-40B4-BE49-F238E27FC236}">
+                <a16:creationId xmlns:a16="http://schemas.microsoft.com/office/drawing/2014/main" id="{1A8F71C5-70C6-0AB2-ED41-DC6A98876499}"/>
+              </a:ext>
+            </a:extLst>
+          </p:cNvPr>
+          <p:cNvPicPr>
+            <a:picLocks noChangeAspect="1"/>
+          </p:cNvPicPr>
+          <p:nvPr/>
+        </p:nvPicPr>
+        <p:blipFill rotWithShape="1">
+          <a:blip r:embed="rId8"/>
+          <a:srcRect b="35431"/>
+          <a:stretch/>
+        </p:blipFill>
+        <p:spPr>
+          <a:xfrm>
+            <a:off x="3957241" y="6197992"/>
+            <a:ext cx="2549524" cy="1827325"/>
+          </a:xfrm>
+          <a:prstGeom prst="rect">
+            <a:avLst/>
+          </a:prstGeom>
+        </p:spPr>
+      </p:pic>
     </p:spTree>
     <p:extLst>
       <p:ext uri="{BB962C8B-B14F-4D97-AF65-F5344CB8AC3E}">
